--- a/Chapter5/Figures/Fig2.pptx
+++ b/Chapter5/Figures/Fig2.pptx
@@ -192,7 +192,7 @@
           <a:p>
             <a:fld id="{666C63DC-360C-4ED0-AC7F-CE53CA61FDFF}" type="datetimeFigureOut">
               <a:rPr lang="en-GB" smtClean="0"/>
-              <a:t>01/05/2014</a:t>
+              <a:t>01/07/2014</a:t>
             </a:fld>
             <a:endParaRPr lang="en-GB"/>
           </a:p>
@@ -725,7 +725,7 @@
           <a:p>
             <a:fld id="{18A93CBB-BD00-49D5-8240-9739714BD12D}" type="datetimeFigureOut">
               <a:rPr lang="en-GB" smtClean="0"/>
-              <a:t>01/05/2014</a:t>
+              <a:t>01/07/2014</a:t>
             </a:fld>
             <a:endParaRPr lang="en-GB"/>
           </a:p>
@@ -895,7 +895,7 @@
           <a:p>
             <a:fld id="{18A93CBB-BD00-49D5-8240-9739714BD12D}" type="datetimeFigureOut">
               <a:rPr lang="en-GB" smtClean="0"/>
-              <a:t>01/05/2014</a:t>
+              <a:t>01/07/2014</a:t>
             </a:fld>
             <a:endParaRPr lang="en-GB"/>
           </a:p>
@@ -1075,7 +1075,7 @@
           <a:p>
             <a:fld id="{18A93CBB-BD00-49D5-8240-9739714BD12D}" type="datetimeFigureOut">
               <a:rPr lang="en-GB" smtClean="0"/>
-              <a:t>01/05/2014</a:t>
+              <a:t>01/07/2014</a:t>
             </a:fld>
             <a:endParaRPr lang="en-GB"/>
           </a:p>
@@ -1245,7 +1245,7 @@
           <a:p>
             <a:fld id="{18A93CBB-BD00-49D5-8240-9739714BD12D}" type="datetimeFigureOut">
               <a:rPr lang="en-GB" smtClean="0"/>
-              <a:t>01/05/2014</a:t>
+              <a:t>01/07/2014</a:t>
             </a:fld>
             <a:endParaRPr lang="en-GB"/>
           </a:p>
@@ -1491,7 +1491,7 @@
           <a:p>
             <a:fld id="{18A93CBB-BD00-49D5-8240-9739714BD12D}" type="datetimeFigureOut">
               <a:rPr lang="en-GB" smtClean="0"/>
-              <a:t>01/05/2014</a:t>
+              <a:t>01/07/2014</a:t>
             </a:fld>
             <a:endParaRPr lang="en-GB"/>
           </a:p>
@@ -1779,7 +1779,7 @@
           <a:p>
             <a:fld id="{18A93CBB-BD00-49D5-8240-9739714BD12D}" type="datetimeFigureOut">
               <a:rPr lang="en-GB" smtClean="0"/>
-              <a:t>01/05/2014</a:t>
+              <a:t>01/07/2014</a:t>
             </a:fld>
             <a:endParaRPr lang="en-GB"/>
           </a:p>
@@ -2201,7 +2201,7 @@
           <a:p>
             <a:fld id="{18A93CBB-BD00-49D5-8240-9739714BD12D}" type="datetimeFigureOut">
               <a:rPr lang="en-GB" smtClean="0"/>
-              <a:t>01/05/2014</a:t>
+              <a:t>01/07/2014</a:t>
             </a:fld>
             <a:endParaRPr lang="en-GB"/>
           </a:p>
@@ -2319,7 +2319,7 @@
           <a:p>
             <a:fld id="{18A93CBB-BD00-49D5-8240-9739714BD12D}" type="datetimeFigureOut">
               <a:rPr lang="en-GB" smtClean="0"/>
-              <a:t>01/05/2014</a:t>
+              <a:t>01/07/2014</a:t>
             </a:fld>
             <a:endParaRPr lang="en-GB"/>
           </a:p>
@@ -2414,7 +2414,7 @@
           <a:p>
             <a:fld id="{18A93CBB-BD00-49D5-8240-9739714BD12D}" type="datetimeFigureOut">
               <a:rPr lang="en-GB" smtClean="0"/>
-              <a:t>01/05/2014</a:t>
+              <a:t>01/07/2014</a:t>
             </a:fld>
             <a:endParaRPr lang="en-GB"/>
           </a:p>
@@ -2691,7 +2691,7 @@
           <a:p>
             <a:fld id="{18A93CBB-BD00-49D5-8240-9739714BD12D}" type="datetimeFigureOut">
               <a:rPr lang="en-GB" smtClean="0"/>
-              <a:t>01/05/2014</a:t>
+              <a:t>01/07/2014</a:t>
             </a:fld>
             <a:endParaRPr lang="en-GB"/>
           </a:p>
@@ -2944,7 +2944,7 @@
           <a:p>
             <a:fld id="{18A93CBB-BD00-49D5-8240-9739714BD12D}" type="datetimeFigureOut">
               <a:rPr lang="en-GB" smtClean="0"/>
-              <a:t>01/05/2014</a:t>
+              <a:t>01/07/2014</a:t>
             </a:fld>
             <a:endParaRPr lang="en-GB"/>
           </a:p>
@@ -3157,7 +3157,7 @@
           <a:p>
             <a:fld id="{18A93CBB-BD00-49D5-8240-9739714BD12D}" type="datetimeFigureOut">
               <a:rPr lang="en-GB" smtClean="0"/>
-              <a:t>01/05/2014</a:t>
+              <a:t>01/07/2014</a:t>
             </a:fld>
             <a:endParaRPr lang="en-GB"/>
           </a:p>
@@ -3532,6 +3532,162 @@
           <a:chExt cx="0" cy="0"/>
         </a:xfrm>
       </p:grpSpPr>
+      <p:pic>
+        <p:nvPicPr>
+          <p:cNvPr id="2056" name="Picture 8" descr="C:\Users\Wendy\Documents\wwn20\Thesis\Chapter5\Figures\Fig2_C12PI_int.tif"/>
+          <p:cNvPicPr>
+            <a:picLocks noChangeAspect="1" noChangeArrowheads="1"/>
+          </p:cNvPicPr>
+          <p:nvPr/>
+        </p:nvPicPr>
+        <p:blipFill rotWithShape="1">
+          <a:blip r:embed="rId3">
+            <a:extLst>
+              <a:ext uri="{28A0092B-C50C-407E-A947-70E740481C1C}">
+                <a14:useLocalDpi xmlns:a14="http://schemas.microsoft.com/office/drawing/2010/main" val="0"/>
+              </a:ext>
+            </a:extLst>
+          </a:blip>
+          <a:srcRect r="5445"/>
+          <a:stretch/>
+        </p:blipFill>
+        <p:spPr bwMode="auto">
+          <a:xfrm>
+            <a:off x="10621413" y="855762"/>
+            <a:ext cx="3708279" cy="2952000"/>
+          </a:xfrm>
+          <a:prstGeom prst="rect">
+            <a:avLst/>
+          </a:prstGeom>
+          <a:noFill/>
+          <a:extLst>
+            <a:ext uri="{909E8E84-426E-40DD-AFC4-6F175D3DCCD1}">
+              <a14:hiddenFill xmlns:a14="http://schemas.microsoft.com/office/drawing/2010/main">
+                <a:solidFill>
+                  <a:srgbClr val="FFFFFF"/>
+                </a:solidFill>
+              </a14:hiddenFill>
+            </a:ext>
+          </a:extLst>
+        </p:spPr>
+      </p:pic>
+      <p:pic>
+        <p:nvPicPr>
+          <p:cNvPr id="2057" name="Picture 9" descr="C:\Users\Wendy\Documents\wwn20\Thesis\Chapter5\Figures\Fig2_C12PI_exf.tif"/>
+          <p:cNvPicPr>
+            <a:picLocks noChangeAspect="1" noChangeArrowheads="1"/>
+          </p:cNvPicPr>
+          <p:nvPr/>
+        </p:nvPicPr>
+        <p:blipFill rotWithShape="1">
+          <a:blip r:embed="rId4">
+            <a:extLst>
+              <a:ext uri="{28A0092B-C50C-407E-A947-70E740481C1C}">
+                <a14:useLocalDpi xmlns:a14="http://schemas.microsoft.com/office/drawing/2010/main" val="0"/>
+              </a:ext>
+            </a:extLst>
+          </a:blip>
+          <a:srcRect r="5445"/>
+          <a:stretch/>
+        </p:blipFill>
+        <p:spPr bwMode="auto">
+          <a:xfrm>
+            <a:off x="10621413" y="4077888"/>
+            <a:ext cx="3708279" cy="2952000"/>
+          </a:xfrm>
+          <a:prstGeom prst="rect">
+            <a:avLst/>
+          </a:prstGeom>
+          <a:noFill/>
+          <a:extLst>
+            <a:ext uri="{909E8E84-426E-40DD-AFC4-6F175D3DCCD1}">
+              <a14:hiddenFill xmlns:a14="http://schemas.microsoft.com/office/drawing/2010/main">
+                <a:solidFill>
+                  <a:srgbClr val="FFFFFF"/>
+                </a:solidFill>
+              </a14:hiddenFill>
+            </a:ext>
+          </a:extLst>
+        </p:spPr>
+      </p:pic>
+      <p:pic>
+        <p:nvPicPr>
+          <p:cNvPr id="2058" name="Picture 10" descr="C:\Users\Wendy\Documents\wwn20\Thesis\Chapter5\Figures\Fig2_CHPI_exf.tif"/>
+          <p:cNvPicPr>
+            <a:picLocks noChangeAspect="1" noChangeArrowheads="1"/>
+          </p:cNvPicPr>
+          <p:nvPr/>
+        </p:nvPicPr>
+        <p:blipFill rotWithShape="1">
+          <a:blip r:embed="rId5">
+            <a:extLst>
+              <a:ext uri="{28A0092B-C50C-407E-A947-70E740481C1C}">
+                <a14:useLocalDpi xmlns:a14="http://schemas.microsoft.com/office/drawing/2010/main" val="0"/>
+              </a:ext>
+            </a:extLst>
+          </a:blip>
+          <a:srcRect r="5619"/>
+          <a:stretch/>
+        </p:blipFill>
+        <p:spPr bwMode="auto">
+          <a:xfrm>
+            <a:off x="3785294" y="4068388"/>
+            <a:ext cx="3701432" cy="2952000"/>
+          </a:xfrm>
+          <a:prstGeom prst="rect">
+            <a:avLst/>
+          </a:prstGeom>
+          <a:noFill/>
+          <a:extLst>
+            <a:ext uri="{909E8E84-426E-40DD-AFC4-6F175D3DCCD1}">
+              <a14:hiddenFill xmlns:a14="http://schemas.microsoft.com/office/drawing/2010/main">
+                <a:solidFill>
+                  <a:srgbClr val="FFFFFF"/>
+                </a:solidFill>
+              </a14:hiddenFill>
+            </a:ext>
+          </a:extLst>
+        </p:spPr>
+      </p:pic>
+      <p:pic>
+        <p:nvPicPr>
+          <p:cNvPr id="2059" name="Picture 11" descr="C:\Users\Wendy\Documents\wwn20\Thesis\Chapter5\Figures\Fig2_CHPI_inter.tif"/>
+          <p:cNvPicPr>
+            <a:picLocks noChangeAspect="1" noChangeArrowheads="1"/>
+          </p:cNvPicPr>
+          <p:nvPr/>
+        </p:nvPicPr>
+        <p:blipFill rotWithShape="1">
+          <a:blip r:embed="rId6">
+            <a:extLst>
+              <a:ext uri="{28A0092B-C50C-407E-A947-70E740481C1C}">
+                <a14:useLocalDpi xmlns:a14="http://schemas.microsoft.com/office/drawing/2010/main" val="0"/>
+              </a:ext>
+            </a:extLst>
+          </a:blip>
+          <a:srcRect r="5619"/>
+          <a:stretch/>
+        </p:blipFill>
+        <p:spPr bwMode="auto">
+          <a:xfrm>
+            <a:off x="3785294" y="875630"/>
+            <a:ext cx="3701432" cy="2952000"/>
+          </a:xfrm>
+          <a:prstGeom prst="rect">
+            <a:avLst/>
+          </a:prstGeom>
+          <a:noFill/>
+          <a:extLst>
+            <a:ext uri="{909E8E84-426E-40DD-AFC4-6F175D3DCCD1}">
+              <a14:hiddenFill xmlns:a14="http://schemas.microsoft.com/office/drawing/2010/main">
+                <a:solidFill>
+                  <a:srgbClr val="FFFFFF"/>
+                </a:solidFill>
+              </a14:hiddenFill>
+            </a:ext>
+          </a:extLst>
+        </p:spPr>
+      </p:pic>
       <p:graphicFrame>
         <p:nvGraphicFramePr>
           <p:cNvPr id="20" name="Table 19"/>
@@ -3541,7 +3697,7 @@
           <p:nvPr>
             <p:extLst>
               <p:ext uri="{D42A27DB-BD31-4B8C-83A1-F6EECF244321}">
-                <p14:modId xmlns:p14="http://schemas.microsoft.com/office/powerpoint/2010/main" val="89111022"/>
+                <p14:modId xmlns:p14="http://schemas.microsoft.com/office/powerpoint/2010/main" val="2983815448"/>
               </p:ext>
             </p:extLst>
           </p:nvPr>
@@ -3602,7 +3758,15 @@
                       <a:pPr algn="ctr"/>
                       <a:r>
                         <a:rPr lang="en-GB" sz="3500" dirty="0" smtClean="0"/>
-                        <a:t>C12PI</a:t>
+                        <a:t>C</a:t>
+                      </a:r>
+                      <a:r>
+                        <a:rPr lang="en-GB" sz="3500" baseline="-25000" dirty="0" smtClean="0"/>
+                        <a:t>12</a:t>
+                      </a:r>
+                      <a:r>
+                        <a:rPr lang="en-GB" sz="3500" dirty="0" smtClean="0"/>
+                        <a:t>PI</a:t>
                       </a:r>
                       <a:endParaRPr lang="en-GB" sz="3500" dirty="0"/>
                     </a:p>
@@ -3711,11 +3875,11 @@
             <p:nvPr/>
           </p:nvPicPr>
           <p:blipFill rotWithShape="1">
-            <a:blip r:embed="rId3">
+            <a:blip r:embed="rId7">
               <a:extLst>
                 <a:ext uri="{BEBA8EAE-BF5A-486C-A8C5-ECC9F3942E4B}">
                   <a14:imgProps xmlns:a14="http://schemas.microsoft.com/office/drawing/2010/main">
-                    <a14:imgLayer r:embed="rId4">
+                    <a14:imgLayer r:embed="rId8">
                       <a14:imgEffect>
                         <a14:brightnessContrast bright="20000" contrast="-20000"/>
                       </a14:imgEffect>
@@ -3847,11 +4011,11 @@
             <p:nvPr/>
           </p:nvPicPr>
           <p:blipFill rotWithShape="1">
-            <a:blip r:embed="rId5">
+            <a:blip r:embed="rId9">
               <a:extLst>
                 <a:ext uri="{BEBA8EAE-BF5A-486C-A8C5-ECC9F3942E4B}">
                   <a14:imgProps xmlns:a14="http://schemas.microsoft.com/office/drawing/2010/main">
-                    <a14:imgLayer r:embed="rId6">
+                    <a14:imgLayer r:embed="rId10">
                       <a14:imgEffect>
                         <a14:brightnessContrast bright="18000" contrast="50000"/>
                       </a14:imgEffect>
@@ -3945,11 +4109,11 @@
             <p:nvPr/>
           </p:nvPicPr>
           <p:blipFill rotWithShape="1">
-            <a:blip r:embed="rId7">
+            <a:blip r:embed="rId11">
               <a:extLst>
                 <a:ext uri="{BEBA8EAE-BF5A-486C-A8C5-ECC9F3942E4B}">
                   <a14:imgProps xmlns:a14="http://schemas.microsoft.com/office/drawing/2010/main">
-                    <a14:imgLayer r:embed="rId8">
+                    <a14:imgLayer r:embed="rId12">
                       <a14:imgEffect>
                         <a14:brightnessContrast contrast="30000"/>
                       </a14:imgEffect>
@@ -4089,11 +4253,11 @@
             <p:nvPr/>
           </p:nvPicPr>
           <p:blipFill rotWithShape="1">
-            <a:blip r:embed="rId9">
+            <a:blip r:embed="rId13">
               <a:extLst>
                 <a:ext uri="{BEBA8EAE-BF5A-486C-A8C5-ECC9F3942E4B}">
                   <a14:imgProps xmlns:a14="http://schemas.microsoft.com/office/drawing/2010/main">
-                    <a14:imgLayer r:embed="rId10">
+                    <a14:imgLayer r:embed="rId14">
                       <a14:imgEffect>
                         <a14:brightnessContrast contrast="30000"/>
                       </a14:imgEffect>
@@ -4164,162 +4328,6 @@
           </p:style>
         </p:cxnSp>
       </p:grpSp>
-      <p:pic>
-        <p:nvPicPr>
-          <p:cNvPr id="2056" name="Picture 8" descr="C:\Users\Wendy\Documents\wwn20\Thesis\Chapter5\Figures\Fig2_C12PI_int.tif"/>
-          <p:cNvPicPr>
-            <a:picLocks noChangeAspect="1" noChangeArrowheads="1"/>
-          </p:cNvPicPr>
-          <p:nvPr/>
-        </p:nvPicPr>
-        <p:blipFill rotWithShape="1">
-          <a:blip r:embed="rId11">
-            <a:extLst>
-              <a:ext uri="{28A0092B-C50C-407E-A947-70E740481C1C}">
-                <a14:useLocalDpi xmlns:a14="http://schemas.microsoft.com/office/drawing/2010/main" val="0"/>
-              </a:ext>
-            </a:extLst>
-          </a:blip>
-          <a:srcRect r="5445"/>
-          <a:stretch/>
-        </p:blipFill>
-        <p:spPr bwMode="auto">
-          <a:xfrm>
-            <a:off x="10874598" y="1195678"/>
-            <a:ext cx="3314368" cy="2638425"/>
-          </a:xfrm>
-          <a:prstGeom prst="rect">
-            <a:avLst/>
-          </a:prstGeom>
-          <a:noFill/>
-          <a:extLst>
-            <a:ext uri="{909E8E84-426E-40DD-AFC4-6F175D3DCCD1}">
-              <a14:hiddenFill xmlns:a14="http://schemas.microsoft.com/office/drawing/2010/main">
-                <a:solidFill>
-                  <a:srgbClr val="FFFFFF"/>
-                </a:solidFill>
-              </a14:hiddenFill>
-            </a:ext>
-          </a:extLst>
-        </p:spPr>
-      </p:pic>
-      <p:pic>
-        <p:nvPicPr>
-          <p:cNvPr id="2057" name="Picture 9" descr="C:\Users\Wendy\Documents\wwn20\Thesis\Chapter5\Figures\Fig2_C12PI_exf.tif"/>
-          <p:cNvPicPr>
-            <a:picLocks noChangeAspect="1" noChangeArrowheads="1"/>
-          </p:cNvPicPr>
-          <p:nvPr/>
-        </p:nvPicPr>
-        <p:blipFill rotWithShape="1">
-          <a:blip r:embed="rId12">
-            <a:extLst>
-              <a:ext uri="{28A0092B-C50C-407E-A947-70E740481C1C}">
-                <a14:useLocalDpi xmlns:a14="http://schemas.microsoft.com/office/drawing/2010/main" val="0"/>
-              </a:ext>
-            </a:extLst>
-          </a:blip>
-          <a:srcRect r="5445"/>
-          <a:stretch/>
-        </p:blipFill>
-        <p:spPr bwMode="auto">
-          <a:xfrm>
-            <a:off x="10874598" y="4417804"/>
-            <a:ext cx="3314368" cy="2638425"/>
-          </a:xfrm>
-          <a:prstGeom prst="rect">
-            <a:avLst/>
-          </a:prstGeom>
-          <a:noFill/>
-          <a:extLst>
-            <a:ext uri="{909E8E84-426E-40DD-AFC4-6F175D3DCCD1}">
-              <a14:hiddenFill xmlns:a14="http://schemas.microsoft.com/office/drawing/2010/main">
-                <a:solidFill>
-                  <a:srgbClr val="FFFFFF"/>
-                </a:solidFill>
-              </a14:hiddenFill>
-            </a:ext>
-          </a:extLst>
-        </p:spPr>
-      </p:pic>
-      <p:pic>
-        <p:nvPicPr>
-          <p:cNvPr id="2058" name="Picture 10" descr="C:\Users\Wendy\Documents\wwn20\Thesis\Chapter5\Figures\Fig2_CHPI_exf.tif"/>
-          <p:cNvPicPr>
-            <a:picLocks noChangeAspect="1" noChangeArrowheads="1"/>
-          </p:cNvPicPr>
-          <p:nvPr/>
-        </p:nvPicPr>
-        <p:blipFill rotWithShape="1">
-          <a:blip r:embed="rId13">
-            <a:extLst>
-              <a:ext uri="{28A0092B-C50C-407E-A947-70E740481C1C}">
-                <a14:useLocalDpi xmlns:a14="http://schemas.microsoft.com/office/drawing/2010/main" val="0"/>
-              </a:ext>
-            </a:extLst>
-          </a:blip>
-          <a:srcRect r="5619"/>
-          <a:stretch/>
-        </p:blipFill>
-        <p:spPr bwMode="auto">
-          <a:xfrm>
-            <a:off x="4038479" y="4408304"/>
-            <a:ext cx="3308252" cy="2638425"/>
-          </a:xfrm>
-          <a:prstGeom prst="rect">
-            <a:avLst/>
-          </a:prstGeom>
-          <a:noFill/>
-          <a:extLst>
-            <a:ext uri="{909E8E84-426E-40DD-AFC4-6F175D3DCCD1}">
-              <a14:hiddenFill xmlns:a14="http://schemas.microsoft.com/office/drawing/2010/main">
-                <a:solidFill>
-                  <a:srgbClr val="FFFFFF"/>
-                </a:solidFill>
-              </a14:hiddenFill>
-            </a:ext>
-          </a:extLst>
-        </p:spPr>
-      </p:pic>
-      <p:pic>
-        <p:nvPicPr>
-          <p:cNvPr id="2059" name="Picture 11" descr="C:\Users\Wendy\Documents\wwn20\Thesis\Chapter5\Figures\Fig2_CHPI_inter.tif"/>
-          <p:cNvPicPr>
-            <a:picLocks noChangeAspect="1" noChangeArrowheads="1"/>
-          </p:cNvPicPr>
-          <p:nvPr/>
-        </p:nvPicPr>
-        <p:blipFill rotWithShape="1">
-          <a:blip r:embed="rId14">
-            <a:extLst>
-              <a:ext uri="{28A0092B-C50C-407E-A947-70E740481C1C}">
-                <a14:useLocalDpi xmlns:a14="http://schemas.microsoft.com/office/drawing/2010/main" val="0"/>
-              </a:ext>
-            </a:extLst>
-          </a:blip>
-          <a:srcRect r="5619"/>
-          <a:stretch/>
-        </p:blipFill>
-        <p:spPr bwMode="auto">
-          <a:xfrm>
-            <a:off x="4038479" y="1215546"/>
-            <a:ext cx="3308252" cy="2638425"/>
-          </a:xfrm>
-          <a:prstGeom prst="rect">
-            <a:avLst/>
-          </a:prstGeom>
-          <a:noFill/>
-          <a:extLst>
-            <a:ext uri="{909E8E84-426E-40DD-AFC4-6F175D3DCCD1}">
-              <a14:hiddenFill xmlns:a14="http://schemas.microsoft.com/office/drawing/2010/main">
-                <a:solidFill>
-                  <a:srgbClr val="FFFFFF"/>
-                </a:solidFill>
-              </a14:hiddenFill>
-            </a:ext>
-          </a:extLst>
-        </p:spPr>
-      </p:pic>
       <p:grpSp>
         <p:nvGrpSpPr>
           <p:cNvPr id="59" name="Group 58"/>
@@ -4327,9 +4335,9 @@
           <p:nvPr/>
         </p:nvGrpSpPr>
         <p:grpSpPr>
-          <a:xfrm>
-            <a:off x="2572997" y="2534758"/>
-            <a:ext cx="1465482" cy="252320"/>
+          <a:xfrm flipV="1">
+            <a:off x="2572997" y="2787076"/>
+            <a:ext cx="1465482" cy="254236"/>
             <a:chOff x="2383805" y="2518992"/>
             <a:chExt cx="1465482" cy="252320"/>
           </a:xfrm>
@@ -4429,23 +4437,21 @@
         <p:grpSpPr>
           <a:xfrm>
             <a:off x="9105896" y="2036696"/>
-            <a:ext cx="1742856" cy="364713"/>
+            <a:ext cx="1768702" cy="919219"/>
             <a:chOff x="2383805" y="2681312"/>
-            <a:chExt cx="1742856" cy="364713"/>
+            <a:chExt cx="1768702" cy="919219"/>
           </a:xfrm>
         </p:grpSpPr>
         <p:cxnSp>
           <p:nvCxnSpPr>
             <p:cNvPr id="71" name="Straight Arrow Connector 70"/>
-            <p:cNvCxnSpPr>
-              <a:stCxn id="72" idx="6"/>
-            </p:cNvCxnSpPr>
+            <p:cNvCxnSpPr/>
             <p:nvPr/>
           </p:nvCxnSpPr>
           <p:spPr>
             <a:xfrm>
-              <a:off x="2473805" y="2726312"/>
-              <a:ext cx="1652856" cy="319713"/>
+              <a:off x="2473805" y="2745362"/>
+              <a:ext cx="1678702" cy="855169"/>
             </a:xfrm>
             <a:prstGeom prst="straightConnector1">
               <a:avLst/>
@@ -4528,24 +4534,22 @@
         </p:nvGrpSpPr>
         <p:grpSpPr>
           <a:xfrm>
-            <a:off x="2158528" y="5576300"/>
-            <a:ext cx="1879951" cy="403536"/>
-            <a:chOff x="2383805" y="2367776"/>
-            <a:chExt cx="1879951" cy="403536"/>
+            <a:off x="2158528" y="5889836"/>
+            <a:ext cx="1879951" cy="352527"/>
+            <a:chOff x="2383805" y="2681312"/>
+            <a:chExt cx="1879951" cy="352527"/>
           </a:xfrm>
         </p:grpSpPr>
         <p:cxnSp>
           <p:nvCxnSpPr>
             <p:cNvPr id="75" name="Straight Arrow Connector 74"/>
-            <p:cNvCxnSpPr>
-              <a:stCxn id="76" idx="6"/>
-            </p:cNvCxnSpPr>
+            <p:cNvCxnSpPr/>
             <p:nvPr/>
           </p:nvCxnSpPr>
           <p:spPr>
-            <a:xfrm flipV="1">
-              <a:off x="2473805" y="2367776"/>
-              <a:ext cx="1789951" cy="358536"/>
+            <a:xfrm>
+              <a:off x="2460625" y="2713542"/>
+              <a:ext cx="1803131" cy="320297"/>
             </a:xfrm>
             <a:prstGeom prst="straightConnector1">
               <a:avLst/>
@@ -4629,23 +4633,21 @@
         <p:grpSpPr>
           <a:xfrm>
             <a:off x="9951316" y="4975376"/>
-            <a:ext cx="923282" cy="600924"/>
+            <a:ext cx="1066008" cy="1004460"/>
             <a:chOff x="2383805" y="2681312"/>
-            <a:chExt cx="923282" cy="600924"/>
+            <a:chExt cx="1066008" cy="1004460"/>
           </a:xfrm>
         </p:grpSpPr>
         <p:cxnSp>
           <p:nvCxnSpPr>
             <p:cNvPr id="79" name="Straight Arrow Connector 78"/>
-            <p:cNvCxnSpPr>
-              <a:stCxn id="80" idx="6"/>
-            </p:cNvCxnSpPr>
+            <p:cNvCxnSpPr/>
             <p:nvPr/>
           </p:nvCxnSpPr>
           <p:spPr>
             <a:xfrm>
-              <a:off x="2473805" y="2726312"/>
-              <a:ext cx="833282" cy="555924"/>
+              <a:off x="2435705" y="2707262"/>
+              <a:ext cx="1014108" cy="978510"/>
             </a:xfrm>
             <a:prstGeom prst="straightConnector1">
               <a:avLst/>
@@ -4728,8 +4730,8 @@
         </p:nvCxnSpPr>
         <p:spPr>
           <a:xfrm>
-            <a:off x="5310800" y="1383968"/>
-            <a:ext cx="0" cy="1944000"/>
+            <a:off x="5234600" y="1068554"/>
+            <a:ext cx="0" cy="2160000"/>
           </a:xfrm>
           <a:prstGeom prst="line">
             <a:avLst/>
@@ -4737,7 +4739,7 @@
           <a:ln w="25400">
             <a:solidFill>
               <a:schemeClr val="bg1">
-                <a:lumMod val="75000"/>
+                <a:lumMod val="50000"/>
               </a:schemeClr>
             </a:solidFill>
             <a:prstDash val="sysDash"/>
@@ -4766,8 +4768,8 @@
         </p:nvCxnSpPr>
         <p:spPr>
           <a:xfrm>
-            <a:off x="5200974" y="4578422"/>
-            <a:ext cx="0" cy="1944000"/>
+            <a:off x="5105724" y="4263008"/>
+            <a:ext cx="0" cy="2160000"/>
           </a:xfrm>
           <a:prstGeom prst="line">
             <a:avLst/>
@@ -4775,7 +4777,7 @@
           <a:ln w="25400">
             <a:solidFill>
               <a:schemeClr val="bg1">
-                <a:lumMod val="75000"/>
+                <a:lumMod val="50000"/>
               </a:schemeClr>
             </a:solidFill>
             <a:prstDash val="sysDash"/>
@@ -4804,8 +4806,8 @@
         </p:nvCxnSpPr>
         <p:spPr>
           <a:xfrm>
-            <a:off x="11890185" y="1372342"/>
-            <a:ext cx="0" cy="1944000"/>
+            <a:off x="11775885" y="1056928"/>
+            <a:ext cx="0" cy="2160000"/>
           </a:xfrm>
           <a:prstGeom prst="line">
             <a:avLst/>
@@ -4813,7 +4815,7 @@
           <a:ln w="25400">
             <a:solidFill>
               <a:schemeClr val="bg1">
-                <a:lumMod val="75000"/>
+                <a:lumMod val="50000"/>
               </a:schemeClr>
             </a:solidFill>
             <a:prstDash val="sysDash"/>
@@ -4842,8 +4844,8 @@
         </p:nvCxnSpPr>
         <p:spPr>
           <a:xfrm>
-            <a:off x="12044710" y="4589824"/>
-            <a:ext cx="0" cy="1944000"/>
+            <a:off x="11949460" y="4274410"/>
+            <a:ext cx="0" cy="2160000"/>
           </a:xfrm>
           <a:prstGeom prst="line">
             <a:avLst/>
@@ -4851,7 +4853,7 @@
           <a:ln w="25400">
             <a:solidFill>
               <a:schemeClr val="bg1">
-                <a:lumMod val="75000"/>
+                <a:lumMod val="50000"/>
               </a:schemeClr>
             </a:solidFill>
             <a:prstDash val="sysDash"/>

--- a/Chapter5/Figures/Fig2.pptx
+++ b/Chapter5/Figures/Fig2.pptx
@@ -10,14 +10,14 @@
   <p:sldIdLst>
     <p:sldId id="257" r:id="rId2"/>
   </p:sldIdLst>
-  <p:sldSz cx="14401800" cy="7200900"/>
+  <p:sldSz cx="16922750" cy="8821738"/>
   <p:notesSz cx="6858000" cy="9144000"/>
   <p:defaultTextStyle>
     <a:defPPr>
       <a:defRPr lang="en-US"/>
     </a:defPPr>
-    <a:lvl1pPr marL="0" algn="l" defTabSz="1035192" rtl="0" eaLnBrk="1" latinLnBrk="0" hangingPunct="1">
-      <a:defRPr sz="2000" kern="1200">
+    <a:lvl1pPr marL="0" algn="l" defTabSz="1207693" rtl="0" eaLnBrk="1" latinLnBrk="0" hangingPunct="1">
+      <a:defRPr sz="2400" kern="1200">
         <a:solidFill>
           <a:schemeClr val="tx1"/>
         </a:solidFill>
@@ -26,8 +26,8 @@
         <a:cs typeface="+mn-cs"/>
       </a:defRPr>
     </a:lvl1pPr>
-    <a:lvl2pPr marL="517596" algn="l" defTabSz="1035192" rtl="0" eaLnBrk="1" latinLnBrk="0" hangingPunct="1">
-      <a:defRPr sz="2000" kern="1200">
+    <a:lvl2pPr marL="603847" algn="l" defTabSz="1207693" rtl="0" eaLnBrk="1" latinLnBrk="0" hangingPunct="1">
+      <a:defRPr sz="2400" kern="1200">
         <a:solidFill>
           <a:schemeClr val="tx1"/>
         </a:solidFill>
@@ -36,8 +36,8 @@
         <a:cs typeface="+mn-cs"/>
       </a:defRPr>
     </a:lvl2pPr>
-    <a:lvl3pPr marL="1035192" algn="l" defTabSz="1035192" rtl="0" eaLnBrk="1" latinLnBrk="0" hangingPunct="1">
-      <a:defRPr sz="2000" kern="1200">
+    <a:lvl3pPr marL="1207693" algn="l" defTabSz="1207693" rtl="0" eaLnBrk="1" latinLnBrk="0" hangingPunct="1">
+      <a:defRPr sz="2400" kern="1200">
         <a:solidFill>
           <a:schemeClr val="tx1"/>
         </a:solidFill>
@@ -46,8 +46,8 @@
         <a:cs typeface="+mn-cs"/>
       </a:defRPr>
     </a:lvl3pPr>
-    <a:lvl4pPr marL="1552788" algn="l" defTabSz="1035192" rtl="0" eaLnBrk="1" latinLnBrk="0" hangingPunct="1">
-      <a:defRPr sz="2000" kern="1200">
+    <a:lvl4pPr marL="1811541" algn="l" defTabSz="1207693" rtl="0" eaLnBrk="1" latinLnBrk="0" hangingPunct="1">
+      <a:defRPr sz="2400" kern="1200">
         <a:solidFill>
           <a:schemeClr val="tx1"/>
         </a:solidFill>
@@ -56,8 +56,8 @@
         <a:cs typeface="+mn-cs"/>
       </a:defRPr>
     </a:lvl4pPr>
-    <a:lvl5pPr marL="2070384" algn="l" defTabSz="1035192" rtl="0" eaLnBrk="1" latinLnBrk="0" hangingPunct="1">
-      <a:defRPr sz="2000" kern="1200">
+    <a:lvl5pPr marL="2415388" algn="l" defTabSz="1207693" rtl="0" eaLnBrk="1" latinLnBrk="0" hangingPunct="1">
+      <a:defRPr sz="2400" kern="1200">
         <a:solidFill>
           <a:schemeClr val="tx1"/>
         </a:solidFill>
@@ -66,8 +66,8 @@
         <a:cs typeface="+mn-cs"/>
       </a:defRPr>
     </a:lvl5pPr>
-    <a:lvl6pPr marL="2587981" algn="l" defTabSz="1035192" rtl="0" eaLnBrk="1" latinLnBrk="0" hangingPunct="1">
-      <a:defRPr sz="2000" kern="1200">
+    <a:lvl6pPr marL="3019236" algn="l" defTabSz="1207693" rtl="0" eaLnBrk="1" latinLnBrk="0" hangingPunct="1">
+      <a:defRPr sz="2400" kern="1200">
         <a:solidFill>
           <a:schemeClr val="tx1"/>
         </a:solidFill>
@@ -76,8 +76,8 @@
         <a:cs typeface="+mn-cs"/>
       </a:defRPr>
     </a:lvl6pPr>
-    <a:lvl7pPr marL="3105577" algn="l" defTabSz="1035192" rtl="0" eaLnBrk="1" latinLnBrk="0" hangingPunct="1">
-      <a:defRPr sz="2000" kern="1200">
+    <a:lvl7pPr marL="3623083" algn="l" defTabSz="1207693" rtl="0" eaLnBrk="1" latinLnBrk="0" hangingPunct="1">
+      <a:defRPr sz="2400" kern="1200">
         <a:solidFill>
           <a:schemeClr val="tx1"/>
         </a:solidFill>
@@ -86,8 +86,8 @@
         <a:cs typeface="+mn-cs"/>
       </a:defRPr>
     </a:lvl7pPr>
-    <a:lvl8pPr marL="3623173" algn="l" defTabSz="1035192" rtl="0" eaLnBrk="1" latinLnBrk="0" hangingPunct="1">
-      <a:defRPr sz="2000" kern="1200">
+    <a:lvl8pPr marL="4226930" algn="l" defTabSz="1207693" rtl="0" eaLnBrk="1" latinLnBrk="0" hangingPunct="1">
+      <a:defRPr sz="2400" kern="1200">
         <a:solidFill>
           <a:schemeClr val="tx1"/>
         </a:solidFill>
@@ -96,8 +96,8 @@
         <a:cs typeface="+mn-cs"/>
       </a:defRPr>
     </a:lvl8pPr>
-    <a:lvl9pPr marL="4140769" algn="l" defTabSz="1035192" rtl="0" eaLnBrk="1" latinLnBrk="0" hangingPunct="1">
-      <a:defRPr sz="2000" kern="1200">
+    <a:lvl9pPr marL="4830776" algn="l" defTabSz="1207693" rtl="0" eaLnBrk="1" latinLnBrk="0" hangingPunct="1">
+      <a:defRPr sz="2400" kern="1200">
         <a:solidFill>
           <a:schemeClr val="tx1"/>
         </a:solidFill>
@@ -192,7 +192,7 @@
           <a:p>
             <a:fld id="{666C63DC-360C-4ED0-AC7F-CE53CA61FDFF}" type="datetimeFigureOut">
               <a:rPr lang="en-GB" smtClean="0"/>
-              <a:t>01/07/2014</a:t>
+              <a:t>08/09/2014</a:t>
             </a:fld>
             <a:endParaRPr lang="en-GB"/>
           </a:p>
@@ -210,8 +210,8 @@
         </p:nvSpPr>
         <p:spPr>
           <a:xfrm>
-            <a:off x="0" y="685800"/>
-            <a:ext cx="6858000" cy="3429000"/>
+            <a:off x="141288" y="685800"/>
+            <a:ext cx="6575425" cy="3429000"/>
           </a:xfrm>
           <a:prstGeom prst="rect">
             <a:avLst/>
@@ -366,8 +366,8 @@
   </p:cSld>
   <p:clrMap bg1="lt1" tx1="dk1" bg2="lt2" tx2="dk2" accent1="accent1" accent2="accent2" accent3="accent3" accent4="accent4" accent5="accent5" accent6="accent6" hlink="hlink" folHlink="folHlink"/>
   <p:notesStyle>
-    <a:lvl1pPr marL="0" algn="l" defTabSz="1035192" rtl="0" eaLnBrk="1" latinLnBrk="0" hangingPunct="1">
-      <a:defRPr sz="1400" kern="1200">
+    <a:lvl1pPr marL="0" algn="l" defTabSz="1207693" rtl="0" eaLnBrk="1" latinLnBrk="0" hangingPunct="1">
+      <a:defRPr sz="1700" kern="1200">
         <a:solidFill>
           <a:schemeClr val="tx1"/>
         </a:solidFill>
@@ -376,8 +376,8 @@
         <a:cs typeface="+mn-cs"/>
       </a:defRPr>
     </a:lvl1pPr>
-    <a:lvl2pPr marL="517596" algn="l" defTabSz="1035192" rtl="0" eaLnBrk="1" latinLnBrk="0" hangingPunct="1">
-      <a:defRPr sz="1400" kern="1200">
+    <a:lvl2pPr marL="603847" algn="l" defTabSz="1207693" rtl="0" eaLnBrk="1" latinLnBrk="0" hangingPunct="1">
+      <a:defRPr sz="1700" kern="1200">
         <a:solidFill>
           <a:schemeClr val="tx1"/>
         </a:solidFill>
@@ -386,8 +386,8 @@
         <a:cs typeface="+mn-cs"/>
       </a:defRPr>
     </a:lvl2pPr>
-    <a:lvl3pPr marL="1035192" algn="l" defTabSz="1035192" rtl="0" eaLnBrk="1" latinLnBrk="0" hangingPunct="1">
-      <a:defRPr sz="1400" kern="1200">
+    <a:lvl3pPr marL="1207693" algn="l" defTabSz="1207693" rtl="0" eaLnBrk="1" latinLnBrk="0" hangingPunct="1">
+      <a:defRPr sz="1700" kern="1200">
         <a:solidFill>
           <a:schemeClr val="tx1"/>
         </a:solidFill>
@@ -396,8 +396,8 @@
         <a:cs typeface="+mn-cs"/>
       </a:defRPr>
     </a:lvl3pPr>
-    <a:lvl4pPr marL="1552788" algn="l" defTabSz="1035192" rtl="0" eaLnBrk="1" latinLnBrk="0" hangingPunct="1">
-      <a:defRPr sz="1400" kern="1200">
+    <a:lvl4pPr marL="1811541" algn="l" defTabSz="1207693" rtl="0" eaLnBrk="1" latinLnBrk="0" hangingPunct="1">
+      <a:defRPr sz="1700" kern="1200">
         <a:solidFill>
           <a:schemeClr val="tx1"/>
         </a:solidFill>
@@ -406,8 +406,8 @@
         <a:cs typeface="+mn-cs"/>
       </a:defRPr>
     </a:lvl4pPr>
-    <a:lvl5pPr marL="2070384" algn="l" defTabSz="1035192" rtl="0" eaLnBrk="1" latinLnBrk="0" hangingPunct="1">
-      <a:defRPr sz="1400" kern="1200">
+    <a:lvl5pPr marL="2415388" algn="l" defTabSz="1207693" rtl="0" eaLnBrk="1" latinLnBrk="0" hangingPunct="1">
+      <a:defRPr sz="1700" kern="1200">
         <a:solidFill>
           <a:schemeClr val="tx1"/>
         </a:solidFill>
@@ -416,8 +416,8 @@
         <a:cs typeface="+mn-cs"/>
       </a:defRPr>
     </a:lvl5pPr>
-    <a:lvl6pPr marL="2587981" algn="l" defTabSz="1035192" rtl="0" eaLnBrk="1" latinLnBrk="0" hangingPunct="1">
-      <a:defRPr sz="1400" kern="1200">
+    <a:lvl6pPr marL="3019236" algn="l" defTabSz="1207693" rtl="0" eaLnBrk="1" latinLnBrk="0" hangingPunct="1">
+      <a:defRPr sz="1700" kern="1200">
         <a:solidFill>
           <a:schemeClr val="tx1"/>
         </a:solidFill>
@@ -426,8 +426,8 @@
         <a:cs typeface="+mn-cs"/>
       </a:defRPr>
     </a:lvl6pPr>
-    <a:lvl7pPr marL="3105577" algn="l" defTabSz="1035192" rtl="0" eaLnBrk="1" latinLnBrk="0" hangingPunct="1">
-      <a:defRPr sz="1400" kern="1200">
+    <a:lvl7pPr marL="3623083" algn="l" defTabSz="1207693" rtl="0" eaLnBrk="1" latinLnBrk="0" hangingPunct="1">
+      <a:defRPr sz="1700" kern="1200">
         <a:solidFill>
           <a:schemeClr val="tx1"/>
         </a:solidFill>
@@ -436,8 +436,8 @@
         <a:cs typeface="+mn-cs"/>
       </a:defRPr>
     </a:lvl7pPr>
-    <a:lvl8pPr marL="3623173" algn="l" defTabSz="1035192" rtl="0" eaLnBrk="1" latinLnBrk="0" hangingPunct="1">
-      <a:defRPr sz="1400" kern="1200">
+    <a:lvl8pPr marL="4226930" algn="l" defTabSz="1207693" rtl="0" eaLnBrk="1" latinLnBrk="0" hangingPunct="1">
+      <a:defRPr sz="1700" kern="1200">
         <a:solidFill>
           <a:schemeClr val="tx1"/>
         </a:solidFill>
@@ -446,8 +446,8 @@
         <a:cs typeface="+mn-cs"/>
       </a:defRPr>
     </a:lvl8pPr>
-    <a:lvl9pPr marL="4140769" algn="l" defTabSz="1035192" rtl="0" eaLnBrk="1" latinLnBrk="0" hangingPunct="1">
-      <a:defRPr sz="1400" kern="1200">
+    <a:lvl9pPr marL="4830776" algn="l" defTabSz="1207693" rtl="0" eaLnBrk="1" latinLnBrk="0" hangingPunct="1">
+      <a:defRPr sz="1700" kern="1200">
         <a:solidFill>
           <a:schemeClr val="tx1"/>
         </a:solidFill>
@@ -487,7 +487,12 @@
             <p:ph type="sldImg"/>
           </p:nvPr>
         </p:nvSpPr>
-        <p:spPr/>
+        <p:spPr>
+          <a:xfrm>
+            <a:off x="141288" y="685800"/>
+            <a:ext cx="6575425" cy="3429000"/>
+          </a:xfrm>
+        </p:spPr>
       </p:sp>
       <p:sp>
         <p:nvSpPr>
@@ -573,8 +578,8 @@
         </p:nvSpPr>
         <p:spPr>
           <a:xfrm>
-            <a:off x="1080136" y="2236948"/>
-            <a:ext cx="12241530" cy="1543527"/>
+            <a:off x="1269208" y="2740461"/>
+            <a:ext cx="14384338" cy="1890957"/>
           </a:xfrm>
         </p:spPr>
         <p:txBody>
@@ -601,8 +606,8 @@
         </p:nvSpPr>
         <p:spPr>
           <a:xfrm>
-            <a:off x="2160275" y="4080510"/>
-            <a:ext cx="10081261" cy="1840231"/>
+            <a:off x="2538420" y="4998986"/>
+            <a:ext cx="11845926" cy="2254446"/>
           </a:xfrm>
         </p:spPr>
         <p:txBody>
@@ -618,7 +623,7 @@
                 </a:solidFill>
               </a:defRPr>
             </a:lvl1pPr>
-            <a:lvl2pPr marL="517596" indent="0" algn="ctr">
+            <a:lvl2pPr marL="603847" indent="0" algn="ctr">
               <a:buNone/>
               <a:defRPr>
                 <a:solidFill>
@@ -628,7 +633,7 @@
                 </a:solidFill>
               </a:defRPr>
             </a:lvl2pPr>
-            <a:lvl3pPr marL="1035192" indent="0" algn="ctr">
+            <a:lvl3pPr marL="1207693" indent="0" algn="ctr">
               <a:buNone/>
               <a:defRPr>
                 <a:solidFill>
@@ -638,7 +643,7 @@
                 </a:solidFill>
               </a:defRPr>
             </a:lvl3pPr>
-            <a:lvl4pPr marL="1552788" indent="0" algn="ctr">
+            <a:lvl4pPr marL="1811541" indent="0" algn="ctr">
               <a:buNone/>
               <a:defRPr>
                 <a:solidFill>
@@ -648,7 +653,7 @@
                 </a:solidFill>
               </a:defRPr>
             </a:lvl4pPr>
-            <a:lvl5pPr marL="2070384" indent="0" algn="ctr">
+            <a:lvl5pPr marL="2415388" indent="0" algn="ctr">
               <a:buNone/>
               <a:defRPr>
                 <a:solidFill>
@@ -658,7 +663,7 @@
                 </a:solidFill>
               </a:defRPr>
             </a:lvl5pPr>
-            <a:lvl6pPr marL="2587981" indent="0" algn="ctr">
+            <a:lvl6pPr marL="3019236" indent="0" algn="ctr">
               <a:buNone/>
               <a:defRPr>
                 <a:solidFill>
@@ -668,7 +673,7 @@
                 </a:solidFill>
               </a:defRPr>
             </a:lvl6pPr>
-            <a:lvl7pPr marL="3105577" indent="0" algn="ctr">
+            <a:lvl7pPr marL="3623083" indent="0" algn="ctr">
               <a:buNone/>
               <a:defRPr>
                 <a:solidFill>
@@ -678,7 +683,7 @@
                 </a:solidFill>
               </a:defRPr>
             </a:lvl7pPr>
-            <a:lvl8pPr marL="3623173" indent="0" algn="ctr">
+            <a:lvl8pPr marL="4226930" indent="0" algn="ctr">
               <a:buNone/>
               <a:defRPr>
                 <a:solidFill>
@@ -688,7 +693,7 @@
                 </a:solidFill>
               </a:defRPr>
             </a:lvl8pPr>
-            <a:lvl9pPr marL="4140769" indent="0" algn="ctr">
+            <a:lvl9pPr marL="4830776" indent="0" algn="ctr">
               <a:buNone/>
               <a:defRPr>
                 <a:solidFill>
@@ -725,7 +730,7 @@
           <a:p>
             <a:fld id="{18A93CBB-BD00-49D5-8240-9739714BD12D}" type="datetimeFigureOut">
               <a:rPr lang="en-GB" smtClean="0"/>
-              <a:t>01/07/2014</a:t>
+              <a:t>08/09/2014</a:t>
             </a:fld>
             <a:endParaRPr lang="en-GB"/>
           </a:p>
@@ -895,7 +900,7 @@
           <a:p>
             <a:fld id="{18A93CBB-BD00-49D5-8240-9739714BD12D}" type="datetimeFigureOut">
               <a:rPr lang="en-GB" smtClean="0"/>
-              <a:t>01/07/2014</a:t>
+              <a:t>08/09/2014</a:t>
             </a:fld>
             <a:endParaRPr lang="en-GB"/>
           </a:p>
@@ -985,8 +990,8 @@
         </p:nvSpPr>
         <p:spPr>
           <a:xfrm>
-            <a:off x="10441306" y="288373"/>
-            <a:ext cx="3240406" cy="6144101"/>
+            <a:off x="12268995" y="353285"/>
+            <a:ext cx="3807620" cy="7527067"/>
           </a:xfrm>
         </p:spPr>
         <p:txBody>
@@ -1013,8 +1018,8 @@
         </p:nvSpPr>
         <p:spPr>
           <a:xfrm>
-            <a:off x="720093" y="288373"/>
-            <a:ext cx="9481185" cy="6144101"/>
+            <a:off x="846143" y="353285"/>
+            <a:ext cx="11140810" cy="7527067"/>
           </a:xfrm>
         </p:spPr>
         <p:txBody>
@@ -1075,7 +1080,7 @@
           <a:p>
             <a:fld id="{18A93CBB-BD00-49D5-8240-9739714BD12D}" type="datetimeFigureOut">
               <a:rPr lang="en-GB" smtClean="0"/>
-              <a:t>01/07/2014</a:t>
+              <a:t>08/09/2014</a:t>
             </a:fld>
             <a:endParaRPr lang="en-GB"/>
           </a:p>
@@ -1245,7 +1250,7 @@
           <a:p>
             <a:fld id="{18A93CBB-BD00-49D5-8240-9739714BD12D}" type="datetimeFigureOut">
               <a:rPr lang="en-GB" smtClean="0"/>
-              <a:t>01/07/2014</a:t>
+              <a:t>08/09/2014</a:t>
             </a:fld>
             <a:endParaRPr lang="en-GB"/>
           </a:p>
@@ -1335,15 +1340,15 @@
         </p:nvSpPr>
         <p:spPr>
           <a:xfrm>
-            <a:off x="1137644" y="4627247"/>
-            <a:ext cx="12241530" cy="1430179"/>
+            <a:off x="1336783" y="5668787"/>
+            <a:ext cx="14384338" cy="1752096"/>
           </a:xfrm>
         </p:spPr>
         <p:txBody>
           <a:bodyPr anchor="t"/>
           <a:lstStyle>
             <a:lvl1pPr algn="l">
-              <a:defRPr sz="4500" b="1" cap="all"/>
+              <a:defRPr sz="5300" b="1" cap="all"/>
             </a:lvl1pPr>
           </a:lstStyle>
           <a:p>
@@ -1367,8 +1372,8 @@
         </p:nvSpPr>
         <p:spPr>
           <a:xfrm>
-            <a:off x="1137644" y="3052052"/>
-            <a:ext cx="12241530" cy="1575195"/>
+            <a:off x="1336783" y="3739033"/>
+            <a:ext cx="14384338" cy="1929754"/>
           </a:xfrm>
         </p:spPr>
         <p:txBody>
@@ -1376,7 +1381,7 @@
           <a:lstStyle>
             <a:lvl1pPr marL="0" indent="0">
               <a:buNone/>
-              <a:defRPr sz="2300">
+              <a:defRPr sz="2700">
                 <a:solidFill>
                   <a:schemeClr val="tx1">
                     <a:tint val="75000"/>
@@ -1384,9 +1389,9 @@
                 </a:solidFill>
               </a:defRPr>
             </a:lvl1pPr>
-            <a:lvl2pPr marL="517596" indent="0">
-              <a:buNone/>
-              <a:defRPr sz="2000">
+            <a:lvl2pPr marL="603847" indent="0">
+              <a:buNone/>
+              <a:defRPr sz="2400">
                 <a:solidFill>
                   <a:schemeClr val="tx1">
                     <a:tint val="75000"/>
@@ -1394,7 +1399,17 @@
                 </a:solidFill>
               </a:defRPr>
             </a:lvl2pPr>
-            <a:lvl3pPr marL="1035192" indent="0">
+            <a:lvl3pPr marL="1207693" indent="0">
+              <a:buNone/>
+              <a:defRPr sz="2100">
+                <a:solidFill>
+                  <a:schemeClr val="tx1">
+                    <a:tint val="75000"/>
+                  </a:schemeClr>
+                </a:solidFill>
+              </a:defRPr>
+            </a:lvl3pPr>
+            <a:lvl4pPr marL="1811541" indent="0">
               <a:buNone/>
               <a:defRPr sz="1800">
                 <a:solidFill>
@@ -1403,20 +1418,10 @@
                   </a:schemeClr>
                 </a:solidFill>
               </a:defRPr>
-            </a:lvl3pPr>
-            <a:lvl4pPr marL="1552788" indent="0">
-              <a:buNone/>
-              <a:defRPr sz="1600">
-                <a:solidFill>
-                  <a:schemeClr val="tx1">
-                    <a:tint val="75000"/>
-                  </a:schemeClr>
-                </a:solidFill>
-              </a:defRPr>
             </a:lvl4pPr>
-            <a:lvl5pPr marL="2070384" indent="0">
-              <a:buNone/>
-              <a:defRPr sz="1600">
+            <a:lvl5pPr marL="2415388" indent="0">
+              <a:buNone/>
+              <a:defRPr sz="1800">
                 <a:solidFill>
                   <a:schemeClr val="tx1">
                     <a:tint val="75000"/>
@@ -1424,9 +1429,9 @@
                 </a:solidFill>
               </a:defRPr>
             </a:lvl5pPr>
-            <a:lvl6pPr marL="2587981" indent="0">
-              <a:buNone/>
-              <a:defRPr sz="1600">
+            <a:lvl6pPr marL="3019236" indent="0">
+              <a:buNone/>
+              <a:defRPr sz="1800">
                 <a:solidFill>
                   <a:schemeClr val="tx1">
                     <a:tint val="75000"/>
@@ -1434,9 +1439,9 @@
                 </a:solidFill>
               </a:defRPr>
             </a:lvl6pPr>
-            <a:lvl7pPr marL="3105577" indent="0">
-              <a:buNone/>
-              <a:defRPr sz="1600">
+            <a:lvl7pPr marL="3623083" indent="0">
+              <a:buNone/>
+              <a:defRPr sz="1800">
                 <a:solidFill>
                   <a:schemeClr val="tx1">
                     <a:tint val="75000"/>
@@ -1444,9 +1449,9 @@
                 </a:solidFill>
               </a:defRPr>
             </a:lvl7pPr>
-            <a:lvl8pPr marL="3623173" indent="0">
-              <a:buNone/>
-              <a:defRPr sz="1600">
+            <a:lvl8pPr marL="4226930" indent="0">
+              <a:buNone/>
+              <a:defRPr sz="1800">
                 <a:solidFill>
                   <a:schemeClr val="tx1">
                     <a:tint val="75000"/>
@@ -1454,9 +1459,9 @@
                 </a:solidFill>
               </a:defRPr>
             </a:lvl8pPr>
-            <a:lvl9pPr marL="4140769" indent="0">
-              <a:buNone/>
-              <a:defRPr sz="1600">
+            <a:lvl9pPr marL="4830776" indent="0">
+              <a:buNone/>
+              <a:defRPr sz="1800">
                 <a:solidFill>
                   <a:schemeClr val="tx1">
                     <a:tint val="75000"/>
@@ -1491,7 +1496,7 @@
           <a:p>
             <a:fld id="{18A93CBB-BD00-49D5-8240-9739714BD12D}" type="datetimeFigureOut">
               <a:rPr lang="en-GB" smtClean="0"/>
-              <a:t>01/07/2014</a:t>
+              <a:t>08/09/2014</a:t>
             </a:fld>
             <a:endParaRPr lang="en-GB"/>
           </a:p>
@@ -1604,39 +1609,39 @@
         </p:nvSpPr>
         <p:spPr>
           <a:xfrm>
-            <a:off x="720092" y="1680211"/>
-            <a:ext cx="6360794" cy="4752261"/>
+            <a:off x="846140" y="2058407"/>
+            <a:ext cx="7474214" cy="5821940"/>
           </a:xfrm>
         </p:spPr>
         <p:txBody>
           <a:bodyPr/>
           <a:lstStyle>
             <a:lvl1pPr>
-              <a:defRPr sz="3200"/>
+              <a:defRPr sz="3800"/>
             </a:lvl1pPr>
             <a:lvl2pPr>
-              <a:defRPr sz="2700"/>
+              <a:defRPr sz="3200"/>
             </a:lvl2pPr>
             <a:lvl3pPr>
-              <a:defRPr sz="2300"/>
+              <a:defRPr sz="2700"/>
             </a:lvl3pPr>
             <a:lvl4pPr>
-              <a:defRPr sz="2000"/>
+              <a:defRPr sz="2400"/>
             </a:lvl4pPr>
             <a:lvl5pPr>
-              <a:defRPr sz="2000"/>
+              <a:defRPr sz="2400"/>
             </a:lvl5pPr>
             <a:lvl6pPr>
-              <a:defRPr sz="2000"/>
+              <a:defRPr sz="2400"/>
             </a:lvl6pPr>
             <a:lvl7pPr>
-              <a:defRPr sz="2000"/>
+              <a:defRPr sz="2400"/>
             </a:lvl7pPr>
             <a:lvl8pPr>
-              <a:defRPr sz="2000"/>
+              <a:defRPr sz="2400"/>
             </a:lvl8pPr>
             <a:lvl9pPr>
-              <a:defRPr sz="2000"/>
+              <a:defRPr sz="2400"/>
             </a:lvl9pPr>
           </a:lstStyle>
           <a:p>
@@ -1689,39 +1694,39 @@
         </p:nvSpPr>
         <p:spPr>
           <a:xfrm>
-            <a:off x="7320916" y="1680211"/>
-            <a:ext cx="6360794" cy="4752261"/>
+            <a:off x="8602400" y="2058407"/>
+            <a:ext cx="7474214" cy="5821940"/>
           </a:xfrm>
         </p:spPr>
         <p:txBody>
           <a:bodyPr/>
           <a:lstStyle>
             <a:lvl1pPr>
-              <a:defRPr sz="3200"/>
+              <a:defRPr sz="3800"/>
             </a:lvl1pPr>
             <a:lvl2pPr>
-              <a:defRPr sz="2700"/>
+              <a:defRPr sz="3200"/>
             </a:lvl2pPr>
             <a:lvl3pPr>
-              <a:defRPr sz="2300"/>
+              <a:defRPr sz="2700"/>
             </a:lvl3pPr>
             <a:lvl4pPr>
-              <a:defRPr sz="2000"/>
+              <a:defRPr sz="2400"/>
             </a:lvl4pPr>
             <a:lvl5pPr>
-              <a:defRPr sz="2000"/>
+              <a:defRPr sz="2400"/>
             </a:lvl5pPr>
             <a:lvl6pPr>
-              <a:defRPr sz="2000"/>
+              <a:defRPr sz="2400"/>
             </a:lvl6pPr>
             <a:lvl7pPr>
-              <a:defRPr sz="2000"/>
+              <a:defRPr sz="2400"/>
             </a:lvl7pPr>
             <a:lvl8pPr>
-              <a:defRPr sz="2000"/>
+              <a:defRPr sz="2400"/>
             </a:lvl8pPr>
             <a:lvl9pPr>
-              <a:defRPr sz="2000"/>
+              <a:defRPr sz="2400"/>
             </a:lvl9pPr>
           </a:lstStyle>
           <a:p>
@@ -1779,7 +1784,7 @@
           <a:p>
             <a:fld id="{18A93CBB-BD00-49D5-8240-9739714BD12D}" type="datetimeFigureOut">
               <a:rPr lang="en-GB" smtClean="0"/>
-              <a:t>01/07/2014</a:t>
+              <a:t>08/09/2014</a:t>
             </a:fld>
             <a:endParaRPr lang="en-GB"/>
           </a:p>
@@ -1896,8 +1901,8 @@
         </p:nvSpPr>
         <p:spPr>
           <a:xfrm>
-            <a:off x="720090" y="1611871"/>
-            <a:ext cx="6363296" cy="671751"/>
+            <a:off x="846139" y="1974687"/>
+            <a:ext cx="7477153" cy="822955"/>
           </a:xfrm>
         </p:spPr>
         <p:txBody>
@@ -1905,39 +1910,39 @@
           <a:lstStyle>
             <a:lvl1pPr marL="0" indent="0">
               <a:buNone/>
+              <a:defRPr sz="3200" b="1"/>
+            </a:lvl1pPr>
+            <a:lvl2pPr marL="603847" indent="0">
+              <a:buNone/>
               <a:defRPr sz="2700" b="1"/>
-            </a:lvl1pPr>
-            <a:lvl2pPr marL="517596" indent="0">
-              <a:buNone/>
-              <a:defRPr sz="2300" b="1"/>
             </a:lvl2pPr>
-            <a:lvl3pPr marL="1035192" indent="0">
-              <a:buNone/>
-              <a:defRPr sz="2000" b="1"/>
+            <a:lvl3pPr marL="1207693" indent="0">
+              <a:buNone/>
+              <a:defRPr sz="2400" b="1"/>
             </a:lvl3pPr>
-            <a:lvl4pPr marL="1552788" indent="0">
-              <a:buNone/>
-              <a:defRPr sz="1800" b="1"/>
+            <a:lvl4pPr marL="1811541" indent="0">
+              <a:buNone/>
+              <a:defRPr sz="2100" b="1"/>
             </a:lvl4pPr>
-            <a:lvl5pPr marL="2070384" indent="0">
-              <a:buNone/>
-              <a:defRPr sz="1800" b="1"/>
+            <a:lvl5pPr marL="2415388" indent="0">
+              <a:buNone/>
+              <a:defRPr sz="2100" b="1"/>
             </a:lvl5pPr>
-            <a:lvl6pPr marL="2587981" indent="0">
-              <a:buNone/>
-              <a:defRPr sz="1800" b="1"/>
+            <a:lvl6pPr marL="3019236" indent="0">
+              <a:buNone/>
+              <a:defRPr sz="2100" b="1"/>
             </a:lvl6pPr>
-            <a:lvl7pPr marL="3105577" indent="0">
-              <a:buNone/>
-              <a:defRPr sz="1800" b="1"/>
+            <a:lvl7pPr marL="3623083" indent="0">
+              <a:buNone/>
+              <a:defRPr sz="2100" b="1"/>
             </a:lvl7pPr>
-            <a:lvl8pPr marL="3623173" indent="0">
-              <a:buNone/>
-              <a:defRPr sz="1800" b="1"/>
+            <a:lvl8pPr marL="4226930" indent="0">
+              <a:buNone/>
+              <a:defRPr sz="2100" b="1"/>
             </a:lvl8pPr>
-            <a:lvl9pPr marL="4140769" indent="0">
-              <a:buNone/>
-              <a:defRPr sz="1800" b="1"/>
+            <a:lvl9pPr marL="4830776" indent="0">
+              <a:buNone/>
+              <a:defRPr sz="2100" b="1"/>
             </a:lvl9pPr>
           </a:lstStyle>
           <a:p>
@@ -1961,39 +1966,39 @@
         </p:nvSpPr>
         <p:spPr>
           <a:xfrm>
-            <a:off x="720090" y="2283621"/>
-            <a:ext cx="6363296" cy="4148852"/>
+            <a:off x="846139" y="2797639"/>
+            <a:ext cx="7477153" cy="5082710"/>
           </a:xfrm>
         </p:spPr>
         <p:txBody>
           <a:bodyPr/>
           <a:lstStyle>
             <a:lvl1pPr>
-              <a:defRPr sz="2700"/>
+              <a:defRPr sz="3200"/>
             </a:lvl1pPr>
             <a:lvl2pPr>
-              <a:defRPr sz="2300"/>
+              <a:defRPr sz="2700"/>
             </a:lvl2pPr>
             <a:lvl3pPr>
-              <a:defRPr sz="2000"/>
+              <a:defRPr sz="2400"/>
             </a:lvl3pPr>
             <a:lvl4pPr>
-              <a:defRPr sz="1800"/>
+              <a:defRPr sz="2100"/>
             </a:lvl4pPr>
             <a:lvl5pPr>
-              <a:defRPr sz="1800"/>
+              <a:defRPr sz="2100"/>
             </a:lvl5pPr>
             <a:lvl6pPr>
-              <a:defRPr sz="1800"/>
+              <a:defRPr sz="2100"/>
             </a:lvl6pPr>
             <a:lvl7pPr>
-              <a:defRPr sz="1800"/>
+              <a:defRPr sz="2100"/>
             </a:lvl7pPr>
             <a:lvl8pPr>
-              <a:defRPr sz="1800"/>
+              <a:defRPr sz="2100"/>
             </a:lvl8pPr>
             <a:lvl9pPr>
-              <a:defRPr sz="1800"/>
+              <a:defRPr sz="2100"/>
             </a:lvl9pPr>
           </a:lstStyle>
           <a:p>
@@ -2046,8 +2051,8 @@
         </p:nvSpPr>
         <p:spPr>
           <a:xfrm>
-            <a:off x="7315918" y="1611871"/>
-            <a:ext cx="6365797" cy="671751"/>
+            <a:off x="8596528" y="1974687"/>
+            <a:ext cx="7480092" cy="822955"/>
           </a:xfrm>
         </p:spPr>
         <p:txBody>
@@ -2055,39 +2060,39 @@
           <a:lstStyle>
             <a:lvl1pPr marL="0" indent="0">
               <a:buNone/>
+              <a:defRPr sz="3200" b="1"/>
+            </a:lvl1pPr>
+            <a:lvl2pPr marL="603847" indent="0">
+              <a:buNone/>
               <a:defRPr sz="2700" b="1"/>
-            </a:lvl1pPr>
-            <a:lvl2pPr marL="517596" indent="0">
-              <a:buNone/>
-              <a:defRPr sz="2300" b="1"/>
             </a:lvl2pPr>
-            <a:lvl3pPr marL="1035192" indent="0">
-              <a:buNone/>
-              <a:defRPr sz="2000" b="1"/>
+            <a:lvl3pPr marL="1207693" indent="0">
+              <a:buNone/>
+              <a:defRPr sz="2400" b="1"/>
             </a:lvl3pPr>
-            <a:lvl4pPr marL="1552788" indent="0">
-              <a:buNone/>
-              <a:defRPr sz="1800" b="1"/>
+            <a:lvl4pPr marL="1811541" indent="0">
+              <a:buNone/>
+              <a:defRPr sz="2100" b="1"/>
             </a:lvl4pPr>
-            <a:lvl5pPr marL="2070384" indent="0">
-              <a:buNone/>
-              <a:defRPr sz="1800" b="1"/>
+            <a:lvl5pPr marL="2415388" indent="0">
+              <a:buNone/>
+              <a:defRPr sz="2100" b="1"/>
             </a:lvl5pPr>
-            <a:lvl6pPr marL="2587981" indent="0">
-              <a:buNone/>
-              <a:defRPr sz="1800" b="1"/>
+            <a:lvl6pPr marL="3019236" indent="0">
+              <a:buNone/>
+              <a:defRPr sz="2100" b="1"/>
             </a:lvl6pPr>
-            <a:lvl7pPr marL="3105577" indent="0">
-              <a:buNone/>
-              <a:defRPr sz="1800" b="1"/>
+            <a:lvl7pPr marL="3623083" indent="0">
+              <a:buNone/>
+              <a:defRPr sz="2100" b="1"/>
             </a:lvl7pPr>
-            <a:lvl8pPr marL="3623173" indent="0">
-              <a:buNone/>
-              <a:defRPr sz="1800" b="1"/>
+            <a:lvl8pPr marL="4226930" indent="0">
+              <a:buNone/>
+              <a:defRPr sz="2100" b="1"/>
             </a:lvl8pPr>
-            <a:lvl9pPr marL="4140769" indent="0">
-              <a:buNone/>
-              <a:defRPr sz="1800" b="1"/>
+            <a:lvl9pPr marL="4830776" indent="0">
+              <a:buNone/>
+              <a:defRPr sz="2100" b="1"/>
             </a:lvl9pPr>
           </a:lstStyle>
           <a:p>
@@ -2111,39 +2116,39 @@
         </p:nvSpPr>
         <p:spPr>
           <a:xfrm>
-            <a:off x="7315918" y="2283621"/>
-            <a:ext cx="6365797" cy="4148852"/>
+            <a:off x="8596528" y="2797639"/>
+            <a:ext cx="7480092" cy="5082710"/>
           </a:xfrm>
         </p:spPr>
         <p:txBody>
           <a:bodyPr/>
           <a:lstStyle>
             <a:lvl1pPr>
-              <a:defRPr sz="2700"/>
+              <a:defRPr sz="3200"/>
             </a:lvl1pPr>
             <a:lvl2pPr>
-              <a:defRPr sz="2300"/>
+              <a:defRPr sz="2700"/>
             </a:lvl2pPr>
             <a:lvl3pPr>
-              <a:defRPr sz="2000"/>
+              <a:defRPr sz="2400"/>
             </a:lvl3pPr>
             <a:lvl4pPr>
-              <a:defRPr sz="1800"/>
+              <a:defRPr sz="2100"/>
             </a:lvl4pPr>
             <a:lvl5pPr>
-              <a:defRPr sz="1800"/>
+              <a:defRPr sz="2100"/>
             </a:lvl5pPr>
             <a:lvl6pPr>
-              <a:defRPr sz="1800"/>
+              <a:defRPr sz="2100"/>
             </a:lvl6pPr>
             <a:lvl7pPr>
-              <a:defRPr sz="1800"/>
+              <a:defRPr sz="2100"/>
             </a:lvl7pPr>
             <a:lvl8pPr>
-              <a:defRPr sz="1800"/>
+              <a:defRPr sz="2100"/>
             </a:lvl8pPr>
             <a:lvl9pPr>
-              <a:defRPr sz="1800"/>
+              <a:defRPr sz="2100"/>
             </a:lvl9pPr>
           </a:lstStyle>
           <a:p>
@@ -2201,7 +2206,7 @@
           <a:p>
             <a:fld id="{18A93CBB-BD00-49D5-8240-9739714BD12D}" type="datetimeFigureOut">
               <a:rPr lang="en-GB" smtClean="0"/>
-              <a:t>01/07/2014</a:t>
+              <a:t>08/09/2014</a:t>
             </a:fld>
             <a:endParaRPr lang="en-GB"/>
           </a:p>
@@ -2319,7 +2324,7 @@
           <a:p>
             <a:fld id="{18A93CBB-BD00-49D5-8240-9739714BD12D}" type="datetimeFigureOut">
               <a:rPr lang="en-GB" smtClean="0"/>
-              <a:t>01/07/2014</a:t>
+              <a:t>08/09/2014</a:t>
             </a:fld>
             <a:endParaRPr lang="en-GB"/>
           </a:p>
@@ -2414,7 +2419,7 @@
           <a:p>
             <a:fld id="{18A93CBB-BD00-49D5-8240-9739714BD12D}" type="datetimeFigureOut">
               <a:rPr lang="en-GB" smtClean="0"/>
-              <a:t>01/07/2014</a:t>
+              <a:t>08/09/2014</a:t>
             </a:fld>
             <a:endParaRPr lang="en-GB"/>
           </a:p>
@@ -2504,15 +2509,15 @@
         </p:nvSpPr>
         <p:spPr>
           <a:xfrm>
-            <a:off x="720090" y="286705"/>
-            <a:ext cx="4738094" cy="1220152"/>
+            <a:off x="846137" y="351240"/>
+            <a:ext cx="5567470" cy="1494794"/>
           </a:xfrm>
         </p:spPr>
         <p:txBody>
           <a:bodyPr anchor="b"/>
           <a:lstStyle>
             <a:lvl1pPr algn="l">
-              <a:defRPr sz="2300" b="1"/>
+              <a:defRPr sz="2700" b="1"/>
             </a:lvl1pPr>
           </a:lstStyle>
           <a:p>
@@ -2536,39 +2541,39 @@
         </p:nvSpPr>
         <p:spPr>
           <a:xfrm>
-            <a:off x="5630708" y="286705"/>
-            <a:ext cx="8051007" cy="6145768"/>
+            <a:off x="6616332" y="351240"/>
+            <a:ext cx="9460288" cy="7529108"/>
           </a:xfrm>
         </p:spPr>
         <p:txBody>
           <a:bodyPr/>
           <a:lstStyle>
             <a:lvl1pPr>
-              <a:defRPr sz="3600"/>
+              <a:defRPr sz="4200"/>
             </a:lvl1pPr>
             <a:lvl2pPr>
-              <a:defRPr sz="3200"/>
+              <a:defRPr sz="3800"/>
             </a:lvl2pPr>
             <a:lvl3pPr>
-              <a:defRPr sz="2700"/>
+              <a:defRPr sz="3200"/>
             </a:lvl3pPr>
             <a:lvl4pPr>
-              <a:defRPr sz="2300"/>
+              <a:defRPr sz="2700"/>
             </a:lvl4pPr>
             <a:lvl5pPr>
-              <a:defRPr sz="2300"/>
+              <a:defRPr sz="2700"/>
             </a:lvl5pPr>
             <a:lvl6pPr>
-              <a:defRPr sz="2300"/>
+              <a:defRPr sz="2700"/>
             </a:lvl6pPr>
             <a:lvl7pPr>
-              <a:defRPr sz="2300"/>
+              <a:defRPr sz="2700"/>
             </a:lvl7pPr>
             <a:lvl8pPr>
-              <a:defRPr sz="2300"/>
+              <a:defRPr sz="2700"/>
             </a:lvl8pPr>
             <a:lvl9pPr>
-              <a:defRPr sz="2300"/>
+              <a:defRPr sz="2700"/>
             </a:lvl9pPr>
           </a:lstStyle>
           <a:p>
@@ -2621,8 +2626,8 @@
         </p:nvSpPr>
         <p:spPr>
           <a:xfrm>
-            <a:off x="720090" y="1506857"/>
-            <a:ext cx="4738094" cy="4925616"/>
+            <a:off x="846137" y="1846033"/>
+            <a:ext cx="5567470" cy="6034314"/>
           </a:xfrm>
         </p:spPr>
         <p:txBody>
@@ -2630,39 +2635,39 @@
           <a:lstStyle>
             <a:lvl1pPr marL="0" indent="0">
               <a:buNone/>
-              <a:defRPr sz="1600"/>
+              <a:defRPr sz="1800"/>
             </a:lvl1pPr>
-            <a:lvl2pPr marL="517596" indent="0">
-              <a:buNone/>
-              <a:defRPr sz="1400"/>
+            <a:lvl2pPr marL="603847" indent="0">
+              <a:buNone/>
+              <a:defRPr sz="1700"/>
             </a:lvl2pPr>
-            <a:lvl3pPr marL="1035192" indent="0">
+            <a:lvl3pPr marL="1207693" indent="0">
+              <a:buNone/>
+              <a:defRPr sz="1300"/>
+            </a:lvl3pPr>
+            <a:lvl4pPr marL="1811541" indent="0">
               <a:buNone/>
               <a:defRPr sz="1100"/>
-            </a:lvl3pPr>
-            <a:lvl4pPr marL="1552788" indent="0">
-              <a:buNone/>
-              <a:defRPr sz="1000"/>
             </a:lvl4pPr>
-            <a:lvl5pPr marL="2070384" indent="0">
-              <a:buNone/>
-              <a:defRPr sz="1000"/>
+            <a:lvl5pPr marL="2415388" indent="0">
+              <a:buNone/>
+              <a:defRPr sz="1100"/>
             </a:lvl5pPr>
-            <a:lvl6pPr marL="2587981" indent="0">
-              <a:buNone/>
-              <a:defRPr sz="1000"/>
+            <a:lvl6pPr marL="3019236" indent="0">
+              <a:buNone/>
+              <a:defRPr sz="1100"/>
             </a:lvl6pPr>
-            <a:lvl7pPr marL="3105577" indent="0">
-              <a:buNone/>
-              <a:defRPr sz="1000"/>
+            <a:lvl7pPr marL="3623083" indent="0">
+              <a:buNone/>
+              <a:defRPr sz="1100"/>
             </a:lvl7pPr>
-            <a:lvl8pPr marL="3623173" indent="0">
-              <a:buNone/>
-              <a:defRPr sz="1000"/>
+            <a:lvl8pPr marL="4226930" indent="0">
+              <a:buNone/>
+              <a:defRPr sz="1100"/>
             </a:lvl8pPr>
-            <a:lvl9pPr marL="4140769" indent="0">
-              <a:buNone/>
-              <a:defRPr sz="1000"/>
+            <a:lvl9pPr marL="4830776" indent="0">
+              <a:buNone/>
+              <a:defRPr sz="1100"/>
             </a:lvl9pPr>
           </a:lstStyle>
           <a:p>
@@ -2691,7 +2696,7 @@
           <a:p>
             <a:fld id="{18A93CBB-BD00-49D5-8240-9739714BD12D}" type="datetimeFigureOut">
               <a:rPr lang="en-GB" smtClean="0"/>
-              <a:t>01/07/2014</a:t>
+              <a:t>08/09/2014</a:t>
             </a:fld>
             <a:endParaRPr lang="en-GB"/>
           </a:p>
@@ -2781,15 +2786,15 @@
         </p:nvSpPr>
         <p:spPr>
           <a:xfrm>
-            <a:off x="2822854" y="5040633"/>
-            <a:ext cx="8641080" cy="595075"/>
+            <a:off x="3316979" y="6175221"/>
+            <a:ext cx="10153650" cy="729020"/>
           </a:xfrm>
         </p:spPr>
         <p:txBody>
           <a:bodyPr anchor="b"/>
           <a:lstStyle>
             <a:lvl1pPr algn="l">
-              <a:defRPr sz="2300" b="1"/>
+              <a:defRPr sz="2700" b="1"/>
             </a:lvl1pPr>
           </a:lstStyle>
           <a:p>
@@ -2813,8 +2818,8 @@
         </p:nvSpPr>
         <p:spPr>
           <a:xfrm>
-            <a:off x="2822854" y="643416"/>
-            <a:ext cx="8641080" cy="4320540"/>
+            <a:off x="3316979" y="788243"/>
+            <a:ext cx="10153650" cy="5293043"/>
           </a:xfrm>
         </p:spPr>
         <p:txBody>
@@ -2822,39 +2827,39 @@
           <a:lstStyle>
             <a:lvl1pPr marL="0" indent="0">
               <a:buNone/>
-              <a:defRPr sz="3600"/>
+              <a:defRPr sz="4200"/>
             </a:lvl1pPr>
-            <a:lvl2pPr marL="517596" indent="0">
+            <a:lvl2pPr marL="603847" indent="0">
+              <a:buNone/>
+              <a:defRPr sz="3800"/>
+            </a:lvl2pPr>
+            <a:lvl3pPr marL="1207693" indent="0">
               <a:buNone/>
               <a:defRPr sz="3200"/>
-            </a:lvl2pPr>
-            <a:lvl3pPr marL="1035192" indent="0">
+            </a:lvl3pPr>
+            <a:lvl4pPr marL="1811541" indent="0">
               <a:buNone/>
               <a:defRPr sz="2700"/>
-            </a:lvl3pPr>
-            <a:lvl4pPr marL="1552788" indent="0">
-              <a:buNone/>
-              <a:defRPr sz="2300"/>
             </a:lvl4pPr>
-            <a:lvl5pPr marL="2070384" indent="0">
-              <a:buNone/>
-              <a:defRPr sz="2300"/>
+            <a:lvl5pPr marL="2415388" indent="0">
+              <a:buNone/>
+              <a:defRPr sz="2700"/>
             </a:lvl5pPr>
-            <a:lvl6pPr marL="2587981" indent="0">
-              <a:buNone/>
-              <a:defRPr sz="2300"/>
+            <a:lvl6pPr marL="3019236" indent="0">
+              <a:buNone/>
+              <a:defRPr sz="2700"/>
             </a:lvl6pPr>
-            <a:lvl7pPr marL="3105577" indent="0">
-              <a:buNone/>
-              <a:defRPr sz="2300"/>
+            <a:lvl7pPr marL="3623083" indent="0">
+              <a:buNone/>
+              <a:defRPr sz="2700"/>
             </a:lvl7pPr>
-            <a:lvl8pPr marL="3623173" indent="0">
-              <a:buNone/>
-              <a:defRPr sz="2300"/>
+            <a:lvl8pPr marL="4226930" indent="0">
+              <a:buNone/>
+              <a:defRPr sz="2700"/>
             </a:lvl8pPr>
-            <a:lvl9pPr marL="4140769" indent="0">
-              <a:buNone/>
-              <a:defRPr sz="2300"/>
+            <a:lvl9pPr marL="4830776" indent="0">
+              <a:buNone/>
+              <a:defRPr sz="2700"/>
             </a:lvl9pPr>
           </a:lstStyle>
           <a:p>
@@ -2874,8 +2879,8 @@
         </p:nvSpPr>
         <p:spPr>
           <a:xfrm>
-            <a:off x="2822854" y="5635707"/>
-            <a:ext cx="8641080" cy="845105"/>
+            <a:off x="3316979" y="6904240"/>
+            <a:ext cx="10153650" cy="1035329"/>
           </a:xfrm>
         </p:spPr>
         <p:txBody>
@@ -2883,39 +2888,39 @@
           <a:lstStyle>
             <a:lvl1pPr marL="0" indent="0">
               <a:buNone/>
-              <a:defRPr sz="1600"/>
+              <a:defRPr sz="1800"/>
             </a:lvl1pPr>
-            <a:lvl2pPr marL="517596" indent="0">
-              <a:buNone/>
-              <a:defRPr sz="1400"/>
+            <a:lvl2pPr marL="603847" indent="0">
+              <a:buNone/>
+              <a:defRPr sz="1700"/>
             </a:lvl2pPr>
-            <a:lvl3pPr marL="1035192" indent="0">
+            <a:lvl3pPr marL="1207693" indent="0">
+              <a:buNone/>
+              <a:defRPr sz="1300"/>
+            </a:lvl3pPr>
+            <a:lvl4pPr marL="1811541" indent="0">
               <a:buNone/>
               <a:defRPr sz="1100"/>
-            </a:lvl3pPr>
-            <a:lvl4pPr marL="1552788" indent="0">
-              <a:buNone/>
-              <a:defRPr sz="1000"/>
             </a:lvl4pPr>
-            <a:lvl5pPr marL="2070384" indent="0">
-              <a:buNone/>
-              <a:defRPr sz="1000"/>
+            <a:lvl5pPr marL="2415388" indent="0">
+              <a:buNone/>
+              <a:defRPr sz="1100"/>
             </a:lvl5pPr>
-            <a:lvl6pPr marL="2587981" indent="0">
-              <a:buNone/>
-              <a:defRPr sz="1000"/>
+            <a:lvl6pPr marL="3019236" indent="0">
+              <a:buNone/>
+              <a:defRPr sz="1100"/>
             </a:lvl6pPr>
-            <a:lvl7pPr marL="3105577" indent="0">
-              <a:buNone/>
-              <a:defRPr sz="1000"/>
+            <a:lvl7pPr marL="3623083" indent="0">
+              <a:buNone/>
+              <a:defRPr sz="1100"/>
             </a:lvl7pPr>
-            <a:lvl8pPr marL="3623173" indent="0">
-              <a:buNone/>
-              <a:defRPr sz="1000"/>
+            <a:lvl8pPr marL="4226930" indent="0">
+              <a:buNone/>
+              <a:defRPr sz="1100"/>
             </a:lvl8pPr>
-            <a:lvl9pPr marL="4140769" indent="0">
-              <a:buNone/>
-              <a:defRPr sz="1000"/>
+            <a:lvl9pPr marL="4830776" indent="0">
+              <a:buNone/>
+              <a:defRPr sz="1100"/>
             </a:lvl9pPr>
           </a:lstStyle>
           <a:p>
@@ -2944,7 +2949,7 @@
           <a:p>
             <a:fld id="{18A93CBB-BD00-49D5-8240-9739714BD12D}" type="datetimeFigureOut">
               <a:rPr lang="en-GB" smtClean="0"/>
-              <a:t>01/07/2014</a:t>
+              <a:t>08/09/2014</a:t>
             </a:fld>
             <a:endParaRPr lang="en-GB"/>
           </a:p>
@@ -3039,15 +3044,15 @@
         </p:nvSpPr>
         <p:spPr>
           <a:xfrm>
-            <a:off x="720094" y="288370"/>
-            <a:ext cx="12961621" cy="1200151"/>
+            <a:off x="846143" y="353282"/>
+            <a:ext cx="15230476" cy="1470291"/>
           </a:xfrm>
           <a:prstGeom prst="rect">
             <a:avLst/>
           </a:prstGeom>
         </p:spPr>
         <p:txBody>
-          <a:bodyPr vert="horz" lIns="103519" tIns="51760" rIns="103519" bIns="51760" rtlCol="0" anchor="ctr">
+          <a:bodyPr vert="horz" lIns="120769" tIns="60386" rIns="120769" bIns="60386" rtlCol="0" anchor="ctr">
             <a:normAutofit/>
           </a:bodyPr>
           <a:lstStyle/>
@@ -3072,15 +3077,15 @@
         </p:nvSpPr>
         <p:spPr>
           <a:xfrm>
-            <a:off x="720094" y="1680211"/>
-            <a:ext cx="12961621" cy="4752261"/>
+            <a:off x="846143" y="2058407"/>
+            <a:ext cx="15230476" cy="5821940"/>
           </a:xfrm>
           <a:prstGeom prst="rect">
             <a:avLst/>
           </a:prstGeom>
         </p:spPr>
         <p:txBody>
-          <a:bodyPr vert="horz" lIns="103519" tIns="51760" rIns="103519" bIns="51760" rtlCol="0">
+          <a:bodyPr vert="horz" lIns="120769" tIns="60386" rIns="120769" bIns="60386" rtlCol="0">
             <a:normAutofit/>
           </a:bodyPr>
           <a:lstStyle/>
@@ -3134,18 +3139,18 @@
         </p:nvSpPr>
         <p:spPr>
           <a:xfrm>
-            <a:off x="720091" y="6674170"/>
-            <a:ext cx="3360421" cy="383381"/>
+            <a:off x="846141" y="8176449"/>
+            <a:ext cx="3948642" cy="469676"/>
           </a:xfrm>
           <a:prstGeom prst="rect">
             <a:avLst/>
           </a:prstGeom>
         </p:spPr>
         <p:txBody>
-          <a:bodyPr vert="horz" lIns="103519" tIns="51760" rIns="103519" bIns="51760" rtlCol="0" anchor="ctr"/>
+          <a:bodyPr vert="horz" lIns="120769" tIns="60386" rIns="120769" bIns="60386" rtlCol="0" anchor="ctr"/>
           <a:lstStyle>
             <a:lvl1pPr algn="l">
-              <a:defRPr sz="1400">
+              <a:defRPr sz="1700">
                 <a:solidFill>
                   <a:schemeClr val="tx1">
                     <a:tint val="75000"/>
@@ -3157,7 +3162,7 @@
           <a:p>
             <a:fld id="{18A93CBB-BD00-49D5-8240-9739714BD12D}" type="datetimeFigureOut">
               <a:rPr lang="en-GB" smtClean="0"/>
-              <a:t>01/07/2014</a:t>
+              <a:t>08/09/2014</a:t>
             </a:fld>
             <a:endParaRPr lang="en-GB"/>
           </a:p>
@@ -3175,18 +3180,18 @@
         </p:nvSpPr>
         <p:spPr>
           <a:xfrm>
-            <a:off x="4920616" y="6674170"/>
-            <a:ext cx="4560570" cy="383381"/>
+            <a:off x="5781941" y="8176449"/>
+            <a:ext cx="5358872" cy="469676"/>
           </a:xfrm>
           <a:prstGeom prst="rect">
             <a:avLst/>
           </a:prstGeom>
         </p:spPr>
         <p:txBody>
-          <a:bodyPr vert="horz" lIns="103519" tIns="51760" rIns="103519" bIns="51760" rtlCol="0" anchor="ctr"/>
+          <a:bodyPr vert="horz" lIns="120769" tIns="60386" rIns="120769" bIns="60386" rtlCol="0" anchor="ctr"/>
           <a:lstStyle>
             <a:lvl1pPr algn="ctr">
-              <a:defRPr sz="1400">
+              <a:defRPr sz="1700">
                 <a:solidFill>
                   <a:schemeClr val="tx1">
                     <a:tint val="75000"/>
@@ -3212,18 +3217,18 @@
         </p:nvSpPr>
         <p:spPr>
           <a:xfrm>
-            <a:off x="10321294" y="6674170"/>
-            <a:ext cx="3360421" cy="383381"/>
+            <a:off x="12127976" y="8176449"/>
+            <a:ext cx="3948642" cy="469676"/>
           </a:xfrm>
           <a:prstGeom prst="rect">
             <a:avLst/>
           </a:prstGeom>
         </p:spPr>
         <p:txBody>
-          <a:bodyPr vert="horz" lIns="103519" tIns="51760" rIns="103519" bIns="51760" rtlCol="0" anchor="ctr"/>
+          <a:bodyPr vert="horz" lIns="120769" tIns="60386" rIns="120769" bIns="60386" rtlCol="0" anchor="ctr"/>
           <a:lstStyle>
             <a:lvl1pPr algn="r">
-              <a:defRPr sz="1400">
+              <a:defRPr sz="1700">
                 <a:solidFill>
                   <a:schemeClr val="tx1">
                     <a:tint val="75000"/>
@@ -3264,12 +3269,12 @@
   </p:sldLayoutIdLst>
   <p:txStyles>
     <p:titleStyle>
-      <a:lvl1pPr algn="ctr" defTabSz="1035192" rtl="0" eaLnBrk="1" latinLnBrk="0" hangingPunct="1">
+      <a:lvl1pPr algn="ctr" defTabSz="1207693" rtl="0" eaLnBrk="1" latinLnBrk="0" hangingPunct="1">
         <a:spcBef>
           <a:spcPct val="0"/>
         </a:spcBef>
         <a:buNone/>
-        <a:defRPr sz="5000" kern="1200">
+        <a:defRPr sz="5900" kern="1200">
           <a:solidFill>
             <a:schemeClr val="tx1"/>
           </a:solidFill>
@@ -3280,13 +3285,13 @@
       </a:lvl1pPr>
     </p:titleStyle>
     <p:bodyStyle>
-      <a:lvl1pPr marL="388197" indent="-388197" algn="l" defTabSz="1035192" rtl="0" eaLnBrk="1" latinLnBrk="0" hangingPunct="1">
+      <a:lvl1pPr marL="452885" indent="-452885" algn="l" defTabSz="1207693" rtl="0" eaLnBrk="1" latinLnBrk="0" hangingPunct="1">
         <a:spcBef>
           <a:spcPct val="20000"/>
         </a:spcBef>
         <a:buFont typeface="Arial" panose="020B0604020202020204" pitchFamily="34" charset="0"/>
         <a:buChar char="•"/>
-        <a:defRPr sz="3600" kern="1200">
+        <a:defRPr sz="4200" kern="1200">
           <a:solidFill>
             <a:schemeClr val="tx1"/>
           </a:solidFill>
@@ -3295,12 +3300,27 @@
           <a:cs typeface="+mn-cs"/>
         </a:defRPr>
       </a:lvl1pPr>
-      <a:lvl2pPr marL="841094" indent="-323498" algn="l" defTabSz="1035192" rtl="0" eaLnBrk="1" latinLnBrk="0" hangingPunct="1">
+      <a:lvl2pPr marL="981252" indent="-377405" algn="l" defTabSz="1207693" rtl="0" eaLnBrk="1" latinLnBrk="0" hangingPunct="1">
         <a:spcBef>
           <a:spcPct val="20000"/>
         </a:spcBef>
         <a:buFont typeface="Arial" panose="020B0604020202020204" pitchFamily="34" charset="0"/>
         <a:buChar char="–"/>
+        <a:defRPr sz="3800" kern="1200">
+          <a:solidFill>
+            <a:schemeClr val="tx1"/>
+          </a:solidFill>
+          <a:latin typeface="+mn-lt"/>
+          <a:ea typeface="+mn-ea"/>
+          <a:cs typeface="+mn-cs"/>
+        </a:defRPr>
+      </a:lvl2pPr>
+      <a:lvl3pPr marL="1509617" indent="-301923" algn="l" defTabSz="1207693" rtl="0" eaLnBrk="1" latinLnBrk="0" hangingPunct="1">
+        <a:spcBef>
+          <a:spcPct val="20000"/>
+        </a:spcBef>
+        <a:buFont typeface="Arial" panose="020B0604020202020204" pitchFamily="34" charset="0"/>
+        <a:buChar char="•"/>
         <a:defRPr sz="3200" kern="1200">
           <a:solidFill>
             <a:schemeClr val="tx1"/>
@@ -3309,8 +3329,38 @@
           <a:ea typeface="+mn-ea"/>
           <a:cs typeface="+mn-cs"/>
         </a:defRPr>
-      </a:lvl2pPr>
-      <a:lvl3pPr marL="1293990" indent="-258798" algn="l" defTabSz="1035192" rtl="0" eaLnBrk="1" latinLnBrk="0" hangingPunct="1">
+      </a:lvl3pPr>
+      <a:lvl4pPr marL="2113465" indent="-301923" algn="l" defTabSz="1207693" rtl="0" eaLnBrk="1" latinLnBrk="0" hangingPunct="1">
+        <a:spcBef>
+          <a:spcPct val="20000"/>
+        </a:spcBef>
+        <a:buFont typeface="Arial" panose="020B0604020202020204" pitchFamily="34" charset="0"/>
+        <a:buChar char="–"/>
+        <a:defRPr sz="2700" kern="1200">
+          <a:solidFill>
+            <a:schemeClr val="tx1"/>
+          </a:solidFill>
+          <a:latin typeface="+mn-lt"/>
+          <a:ea typeface="+mn-ea"/>
+          <a:cs typeface="+mn-cs"/>
+        </a:defRPr>
+      </a:lvl4pPr>
+      <a:lvl5pPr marL="2717313" indent="-301923" algn="l" defTabSz="1207693" rtl="0" eaLnBrk="1" latinLnBrk="0" hangingPunct="1">
+        <a:spcBef>
+          <a:spcPct val="20000"/>
+        </a:spcBef>
+        <a:buFont typeface="Arial" panose="020B0604020202020204" pitchFamily="34" charset="0"/>
+        <a:buChar char="»"/>
+        <a:defRPr sz="2700" kern="1200">
+          <a:solidFill>
+            <a:schemeClr val="tx1"/>
+          </a:solidFill>
+          <a:latin typeface="+mn-lt"/>
+          <a:ea typeface="+mn-ea"/>
+          <a:cs typeface="+mn-cs"/>
+        </a:defRPr>
+      </a:lvl5pPr>
+      <a:lvl6pPr marL="3321159" indent="-301923" algn="l" defTabSz="1207693" rtl="0" eaLnBrk="1" latinLnBrk="0" hangingPunct="1">
         <a:spcBef>
           <a:spcPct val="20000"/>
         </a:spcBef>
@@ -3324,59 +3374,14 @@
           <a:ea typeface="+mn-ea"/>
           <a:cs typeface="+mn-cs"/>
         </a:defRPr>
-      </a:lvl3pPr>
-      <a:lvl4pPr marL="1811586" indent="-258798" algn="l" defTabSz="1035192" rtl="0" eaLnBrk="1" latinLnBrk="0" hangingPunct="1">
-        <a:spcBef>
-          <a:spcPct val="20000"/>
-        </a:spcBef>
-        <a:buFont typeface="Arial" panose="020B0604020202020204" pitchFamily="34" charset="0"/>
-        <a:buChar char="–"/>
-        <a:defRPr sz="2300" kern="1200">
-          <a:solidFill>
-            <a:schemeClr val="tx1"/>
-          </a:solidFill>
-          <a:latin typeface="+mn-lt"/>
-          <a:ea typeface="+mn-ea"/>
-          <a:cs typeface="+mn-cs"/>
-        </a:defRPr>
-      </a:lvl4pPr>
-      <a:lvl5pPr marL="2329183" indent="-258798" algn="l" defTabSz="1035192" rtl="0" eaLnBrk="1" latinLnBrk="0" hangingPunct="1">
-        <a:spcBef>
-          <a:spcPct val="20000"/>
-        </a:spcBef>
-        <a:buFont typeface="Arial" panose="020B0604020202020204" pitchFamily="34" charset="0"/>
-        <a:buChar char="»"/>
-        <a:defRPr sz="2300" kern="1200">
-          <a:solidFill>
-            <a:schemeClr val="tx1"/>
-          </a:solidFill>
-          <a:latin typeface="+mn-lt"/>
-          <a:ea typeface="+mn-ea"/>
-          <a:cs typeface="+mn-cs"/>
-        </a:defRPr>
-      </a:lvl5pPr>
-      <a:lvl6pPr marL="2846779" indent="-258798" algn="l" defTabSz="1035192" rtl="0" eaLnBrk="1" latinLnBrk="0" hangingPunct="1">
+      </a:lvl6pPr>
+      <a:lvl7pPr marL="3925006" indent="-301923" algn="l" defTabSz="1207693" rtl="0" eaLnBrk="1" latinLnBrk="0" hangingPunct="1">
         <a:spcBef>
           <a:spcPct val="20000"/>
         </a:spcBef>
         <a:buFont typeface="Arial" panose="020B0604020202020204" pitchFamily="34" charset="0"/>
         <a:buChar char="•"/>
-        <a:defRPr sz="2300" kern="1200">
-          <a:solidFill>
-            <a:schemeClr val="tx1"/>
-          </a:solidFill>
-          <a:latin typeface="+mn-lt"/>
-          <a:ea typeface="+mn-ea"/>
-          <a:cs typeface="+mn-cs"/>
-        </a:defRPr>
-      </a:lvl6pPr>
-      <a:lvl7pPr marL="3364375" indent="-258798" algn="l" defTabSz="1035192" rtl="0" eaLnBrk="1" latinLnBrk="0" hangingPunct="1">
-        <a:spcBef>
-          <a:spcPct val="20000"/>
-        </a:spcBef>
-        <a:buFont typeface="Arial" panose="020B0604020202020204" pitchFamily="34" charset="0"/>
-        <a:buChar char="•"/>
-        <a:defRPr sz="2300" kern="1200">
+        <a:defRPr sz="2700" kern="1200">
           <a:solidFill>
             <a:schemeClr val="tx1"/>
           </a:solidFill>
@@ -3385,13 +3390,13 @@
           <a:cs typeface="+mn-cs"/>
         </a:defRPr>
       </a:lvl7pPr>
-      <a:lvl8pPr marL="3881971" indent="-258798" algn="l" defTabSz="1035192" rtl="0" eaLnBrk="1" latinLnBrk="0" hangingPunct="1">
+      <a:lvl8pPr marL="4528853" indent="-301923" algn="l" defTabSz="1207693" rtl="0" eaLnBrk="1" latinLnBrk="0" hangingPunct="1">
         <a:spcBef>
           <a:spcPct val="20000"/>
         </a:spcBef>
         <a:buFont typeface="Arial" panose="020B0604020202020204" pitchFamily="34" charset="0"/>
         <a:buChar char="•"/>
-        <a:defRPr sz="2300" kern="1200">
+        <a:defRPr sz="2700" kern="1200">
           <a:solidFill>
             <a:schemeClr val="tx1"/>
           </a:solidFill>
@@ -3400,13 +3405,13 @@
           <a:cs typeface="+mn-cs"/>
         </a:defRPr>
       </a:lvl8pPr>
-      <a:lvl9pPr marL="4399567" indent="-258798" algn="l" defTabSz="1035192" rtl="0" eaLnBrk="1" latinLnBrk="0" hangingPunct="1">
+      <a:lvl9pPr marL="5132700" indent="-301923" algn="l" defTabSz="1207693" rtl="0" eaLnBrk="1" latinLnBrk="0" hangingPunct="1">
         <a:spcBef>
           <a:spcPct val="20000"/>
         </a:spcBef>
         <a:buFont typeface="Arial" panose="020B0604020202020204" pitchFamily="34" charset="0"/>
         <a:buChar char="•"/>
-        <a:defRPr sz="2300" kern="1200">
+        <a:defRPr sz="2700" kern="1200">
           <a:solidFill>
             <a:schemeClr val="tx1"/>
           </a:solidFill>
@@ -3420,8 +3425,8 @@
       <a:defPPr>
         <a:defRPr lang="en-US"/>
       </a:defPPr>
-      <a:lvl1pPr marL="0" algn="l" defTabSz="1035192" rtl="0" eaLnBrk="1" latinLnBrk="0" hangingPunct="1">
-        <a:defRPr sz="2000" kern="1200">
+      <a:lvl1pPr marL="0" algn="l" defTabSz="1207693" rtl="0" eaLnBrk="1" latinLnBrk="0" hangingPunct="1">
+        <a:defRPr sz="2400" kern="1200">
           <a:solidFill>
             <a:schemeClr val="tx1"/>
           </a:solidFill>
@@ -3430,8 +3435,8 @@
           <a:cs typeface="+mn-cs"/>
         </a:defRPr>
       </a:lvl1pPr>
-      <a:lvl2pPr marL="517596" algn="l" defTabSz="1035192" rtl="0" eaLnBrk="1" latinLnBrk="0" hangingPunct="1">
-        <a:defRPr sz="2000" kern="1200">
+      <a:lvl2pPr marL="603847" algn="l" defTabSz="1207693" rtl="0" eaLnBrk="1" latinLnBrk="0" hangingPunct="1">
+        <a:defRPr sz="2400" kern="1200">
           <a:solidFill>
             <a:schemeClr val="tx1"/>
           </a:solidFill>
@@ -3440,8 +3445,8 @@
           <a:cs typeface="+mn-cs"/>
         </a:defRPr>
       </a:lvl2pPr>
-      <a:lvl3pPr marL="1035192" algn="l" defTabSz="1035192" rtl="0" eaLnBrk="1" latinLnBrk="0" hangingPunct="1">
-        <a:defRPr sz="2000" kern="1200">
+      <a:lvl3pPr marL="1207693" algn="l" defTabSz="1207693" rtl="0" eaLnBrk="1" latinLnBrk="0" hangingPunct="1">
+        <a:defRPr sz="2400" kern="1200">
           <a:solidFill>
             <a:schemeClr val="tx1"/>
           </a:solidFill>
@@ -3450,8 +3455,8 @@
           <a:cs typeface="+mn-cs"/>
         </a:defRPr>
       </a:lvl3pPr>
-      <a:lvl4pPr marL="1552788" algn="l" defTabSz="1035192" rtl="0" eaLnBrk="1" latinLnBrk="0" hangingPunct="1">
-        <a:defRPr sz="2000" kern="1200">
+      <a:lvl4pPr marL="1811541" algn="l" defTabSz="1207693" rtl="0" eaLnBrk="1" latinLnBrk="0" hangingPunct="1">
+        <a:defRPr sz="2400" kern="1200">
           <a:solidFill>
             <a:schemeClr val="tx1"/>
           </a:solidFill>
@@ -3460,8 +3465,8 @@
           <a:cs typeface="+mn-cs"/>
         </a:defRPr>
       </a:lvl4pPr>
-      <a:lvl5pPr marL="2070384" algn="l" defTabSz="1035192" rtl="0" eaLnBrk="1" latinLnBrk="0" hangingPunct="1">
-        <a:defRPr sz="2000" kern="1200">
+      <a:lvl5pPr marL="2415388" algn="l" defTabSz="1207693" rtl="0" eaLnBrk="1" latinLnBrk="0" hangingPunct="1">
+        <a:defRPr sz="2400" kern="1200">
           <a:solidFill>
             <a:schemeClr val="tx1"/>
           </a:solidFill>
@@ -3470,8 +3475,8 @@
           <a:cs typeface="+mn-cs"/>
         </a:defRPr>
       </a:lvl5pPr>
-      <a:lvl6pPr marL="2587981" algn="l" defTabSz="1035192" rtl="0" eaLnBrk="1" latinLnBrk="0" hangingPunct="1">
-        <a:defRPr sz="2000" kern="1200">
+      <a:lvl6pPr marL="3019236" algn="l" defTabSz="1207693" rtl="0" eaLnBrk="1" latinLnBrk="0" hangingPunct="1">
+        <a:defRPr sz="2400" kern="1200">
           <a:solidFill>
             <a:schemeClr val="tx1"/>
           </a:solidFill>
@@ -3480,8 +3485,8 @@
           <a:cs typeface="+mn-cs"/>
         </a:defRPr>
       </a:lvl6pPr>
-      <a:lvl7pPr marL="3105577" algn="l" defTabSz="1035192" rtl="0" eaLnBrk="1" latinLnBrk="0" hangingPunct="1">
-        <a:defRPr sz="2000" kern="1200">
+      <a:lvl7pPr marL="3623083" algn="l" defTabSz="1207693" rtl="0" eaLnBrk="1" latinLnBrk="0" hangingPunct="1">
+        <a:defRPr sz="2400" kern="1200">
           <a:solidFill>
             <a:schemeClr val="tx1"/>
           </a:solidFill>
@@ -3490,8 +3495,8 @@
           <a:cs typeface="+mn-cs"/>
         </a:defRPr>
       </a:lvl7pPr>
-      <a:lvl8pPr marL="3623173" algn="l" defTabSz="1035192" rtl="0" eaLnBrk="1" latinLnBrk="0" hangingPunct="1">
-        <a:defRPr sz="2000" kern="1200">
+      <a:lvl8pPr marL="4226930" algn="l" defTabSz="1207693" rtl="0" eaLnBrk="1" latinLnBrk="0" hangingPunct="1">
+        <a:defRPr sz="2400" kern="1200">
           <a:solidFill>
             <a:schemeClr val="tx1"/>
           </a:solidFill>
@@ -3500,8 +3505,8 @@
           <a:cs typeface="+mn-cs"/>
         </a:defRPr>
       </a:lvl8pPr>
-      <a:lvl9pPr marL="4140769" algn="l" defTabSz="1035192" rtl="0" eaLnBrk="1" latinLnBrk="0" hangingPunct="1">
-        <a:defRPr sz="2000" kern="1200">
+      <a:lvl9pPr marL="4830776" algn="l" defTabSz="1207693" rtl="0" eaLnBrk="1" latinLnBrk="0" hangingPunct="1">
+        <a:defRPr sz="2400" kern="1200">
           <a:solidFill>
             <a:schemeClr val="tx1"/>
           </a:solidFill>
@@ -3532,179 +3537,1475 @@
           <a:chExt cx="0" cy="0"/>
         </a:xfrm>
       </p:grpSpPr>
-      <p:pic>
-        <p:nvPicPr>
-          <p:cNvPr id="2056" name="Picture 8" descr="C:\Users\Wendy\Documents\wwn20\Thesis\Chapter5\Figures\Fig2_C12PI_int.tif"/>
-          <p:cNvPicPr>
-            <a:picLocks noChangeAspect="1" noChangeArrowheads="1"/>
-          </p:cNvPicPr>
+      <p:grpSp>
+        <p:nvGrpSpPr>
+          <p:cNvPr id="242" name="Group 241"/>
+          <p:cNvGrpSpPr/>
           <p:nvPr/>
-        </p:nvPicPr>
-        <p:blipFill rotWithShape="1">
-          <a:blip r:embed="rId3">
+        </p:nvGrpSpPr>
+        <p:grpSpPr>
+          <a:xfrm>
+            <a:off x="9358583" y="1604341"/>
+            <a:ext cx="2438488" cy="2409219"/>
+            <a:chOff x="7718604" y="1181034"/>
+            <a:chExt cx="2438488" cy="2409219"/>
+          </a:xfrm>
+        </p:grpSpPr>
+        <p:pic>
+          <p:nvPicPr>
+            <p:cNvPr id="243" name="Picture 2" descr="C:\Users\Wendy\Documents\wwn20\Data\Exfoliation\Images\2013\10 - October\131015-Intercalated_C12PI\3\3-x20-17.jpg"/>
+            <p:cNvPicPr>
+              <a:picLocks noChangeAspect="1" noChangeArrowheads="1"/>
+            </p:cNvPicPr>
+            <p:nvPr/>
+          </p:nvPicPr>
+          <p:blipFill rotWithShape="1">
+            <a:blip r:embed="rId3">
+              <a:extLst>
+                <a:ext uri="{BEBA8EAE-BF5A-486C-A8C5-ECC9F3942E4B}">
+                  <a14:imgProps xmlns:a14="http://schemas.microsoft.com/office/drawing/2010/main">
+                    <a14:imgLayer r:embed="rId4">
+                      <a14:imgEffect>
+                        <a14:brightnessContrast bright="20000" contrast="-20000"/>
+                      </a14:imgEffect>
+                    </a14:imgLayer>
+                  </a14:imgProps>
+                </a:ext>
+                <a:ext uri="{28A0092B-C50C-407E-A947-70E740481C1C}">
+                  <a14:useLocalDpi xmlns:a14="http://schemas.microsoft.com/office/drawing/2010/main" val="0"/>
+                </a:ext>
+              </a:extLst>
+            </a:blip>
+            <a:srcRect l="36174" t="34612" r="32592" b="23233"/>
+            <a:stretch/>
+          </p:blipFill>
+          <p:spPr bwMode="auto">
+            <a:xfrm>
+              <a:off x="7776964" y="1181034"/>
+              <a:ext cx="2380128" cy="2409219"/>
+            </a:xfrm>
+            <a:prstGeom prst="rect">
+              <a:avLst/>
+            </a:prstGeom>
+            <a:noFill/>
             <a:extLst>
-              <a:ext uri="{28A0092B-C50C-407E-A947-70E740481C1C}">
-                <a14:useLocalDpi xmlns:a14="http://schemas.microsoft.com/office/drawing/2010/main" val="0"/>
+              <a:ext uri="{909E8E84-426E-40DD-AFC4-6F175D3DCCD1}">
+                <a14:hiddenFill xmlns:a14="http://schemas.microsoft.com/office/drawing/2010/main">
+                  <a:solidFill>
+                    <a:srgbClr val="FFFFFF"/>
+                  </a:solidFill>
+                </a14:hiddenFill>
               </a:ext>
             </a:extLst>
-          </a:blip>
-          <a:srcRect r="5445"/>
-          <a:stretch/>
-        </p:blipFill>
-        <p:spPr bwMode="auto">
+          </p:spPr>
+        </p:pic>
+        <p:cxnSp>
+          <p:nvCxnSpPr>
+            <p:cNvPr id="244" name="Straight Connector 243"/>
+            <p:cNvCxnSpPr/>
+            <p:nvPr/>
+          </p:nvCxnSpPr>
+          <p:spPr>
+            <a:xfrm>
+              <a:off x="7920980" y="3440583"/>
+              <a:ext cx="360040" cy="0"/>
+            </a:xfrm>
+            <a:prstGeom prst="line">
+              <a:avLst/>
+            </a:prstGeom>
+            <a:ln w="57150">
+              <a:solidFill>
+                <a:schemeClr val="bg1"/>
+              </a:solidFill>
+            </a:ln>
+          </p:spPr>
+          <p:style>
+            <a:lnRef idx="1">
+              <a:schemeClr val="accent1"/>
+            </a:lnRef>
+            <a:fillRef idx="0">
+              <a:schemeClr val="accent1"/>
+            </a:fillRef>
+            <a:effectRef idx="0">
+              <a:schemeClr val="accent1"/>
+            </a:effectRef>
+            <a:fontRef idx="minor">
+              <a:schemeClr val="tx1"/>
+            </a:fontRef>
+          </p:style>
+        </p:cxnSp>
+        <p:sp>
+          <p:nvSpPr>
+            <p:cNvPr id="245" name="TextBox 244"/>
+            <p:cNvSpPr txBox="1"/>
+            <p:nvPr/>
+          </p:nvSpPr>
+          <p:spPr>
+            <a:xfrm>
+              <a:off x="7718604" y="3025547"/>
+              <a:ext cx="1008112" cy="430887"/>
+            </a:xfrm>
+            <a:prstGeom prst="rect">
+              <a:avLst/>
+            </a:prstGeom>
+            <a:noFill/>
+          </p:spPr>
+          <p:txBody>
+            <a:bodyPr wrap="square" rtlCol="0">
+              <a:spAutoFit/>
+            </a:bodyPr>
+            <a:lstStyle/>
+            <a:p>
+              <a:r>
+                <a:rPr lang="en-GB" sz="2200" dirty="0" smtClean="0">
+                  <a:solidFill>
+                    <a:schemeClr val="bg1"/>
+                  </a:solidFill>
+                </a:rPr>
+                <a:t>10µm</a:t>
+              </a:r>
+              <a:endParaRPr lang="en-GB" sz="2200" dirty="0">
+                <a:solidFill>
+                  <a:schemeClr val="bg1"/>
+                </a:solidFill>
+              </a:endParaRPr>
+            </a:p>
+          </p:txBody>
+        </p:sp>
+      </p:grpSp>
+      <p:grpSp>
+        <p:nvGrpSpPr>
+          <p:cNvPr id="246" name="Group 245"/>
+          <p:cNvGrpSpPr>
+            <a:grpSpLocks noChangeAspect="1"/>
+          </p:cNvGrpSpPr>
+          <p:nvPr/>
+        </p:nvGrpSpPr>
+        <p:grpSpPr>
           <a:xfrm>
-            <a:off x="10621413" y="855762"/>
-            <a:ext cx="3708279" cy="2952000"/>
+            <a:off x="1472514" y="1602557"/>
+            <a:ext cx="2380128" cy="2409218"/>
+            <a:chOff x="1080196" y="1181034"/>
+            <a:chExt cx="2380128" cy="2409218"/>
+          </a:xfrm>
+        </p:grpSpPr>
+        <p:pic>
+          <p:nvPicPr>
+            <p:cNvPr id="247" name="Picture 3" descr="C:\Users\Wendy\Documents\wwn20\Data\Exfoliation\Images\2013\11 - November\131113-CHPI\Pre-exfoliation\x20-20.jpg"/>
+            <p:cNvPicPr>
+              <a:picLocks noChangeAspect="1" noChangeArrowheads="1"/>
+            </p:cNvPicPr>
+            <p:nvPr/>
+          </p:nvPicPr>
+          <p:blipFill rotWithShape="1">
+            <a:blip r:embed="rId5">
+              <a:extLst>
+                <a:ext uri="{BEBA8EAE-BF5A-486C-A8C5-ECC9F3942E4B}">
+                  <a14:imgProps xmlns:a14="http://schemas.microsoft.com/office/drawing/2010/main">
+                    <a14:imgLayer r:embed="rId6">
+                      <a14:imgEffect>
+                        <a14:brightnessContrast bright="18000" contrast="50000"/>
+                      </a14:imgEffect>
+                    </a14:imgLayer>
+                  </a14:imgProps>
+                </a:ext>
+                <a:ext uri="{28A0092B-C50C-407E-A947-70E740481C1C}">
+                  <a14:useLocalDpi xmlns:a14="http://schemas.microsoft.com/office/drawing/2010/main" val="0"/>
+                </a:ext>
+              </a:extLst>
+            </a:blip>
+            <a:srcRect l="32236" t="22731" r="36528" b="35113"/>
+            <a:stretch/>
+          </p:blipFill>
+          <p:spPr bwMode="auto">
+            <a:xfrm>
+              <a:off x="1080196" y="1181034"/>
+              <a:ext cx="2380128" cy="2409218"/>
+            </a:xfrm>
+            <a:prstGeom prst="rect">
+              <a:avLst/>
+            </a:prstGeom>
+            <a:noFill/>
+            <a:extLst>
+              <a:ext uri="{909E8E84-426E-40DD-AFC4-6F175D3DCCD1}">
+                <a14:hiddenFill xmlns:a14="http://schemas.microsoft.com/office/drawing/2010/main">
+                  <a:solidFill>
+                    <a:srgbClr val="FFFFFF"/>
+                  </a:solidFill>
+                </a14:hiddenFill>
+              </a:ext>
+            </a:extLst>
+          </p:spPr>
+        </p:pic>
+        <p:cxnSp>
+          <p:nvCxnSpPr>
+            <p:cNvPr id="248" name="Straight Connector 247"/>
+            <p:cNvCxnSpPr/>
+            <p:nvPr/>
+          </p:nvCxnSpPr>
+          <p:spPr>
+            <a:xfrm>
+              <a:off x="1199198" y="3456434"/>
+              <a:ext cx="360040" cy="0"/>
+            </a:xfrm>
+            <a:prstGeom prst="line">
+              <a:avLst/>
+            </a:prstGeom>
+            <a:ln w="57150">
+              <a:solidFill>
+                <a:schemeClr val="bg1"/>
+              </a:solidFill>
+            </a:ln>
+          </p:spPr>
+          <p:style>
+            <a:lnRef idx="1">
+              <a:schemeClr val="accent1"/>
+            </a:lnRef>
+            <a:fillRef idx="0">
+              <a:schemeClr val="accent1"/>
+            </a:fillRef>
+            <a:effectRef idx="0">
+              <a:schemeClr val="accent1"/>
+            </a:effectRef>
+            <a:fontRef idx="minor">
+              <a:schemeClr val="tx1"/>
+            </a:fontRef>
+          </p:style>
+        </p:cxnSp>
+      </p:grpSp>
+      <p:grpSp>
+        <p:nvGrpSpPr>
+          <p:cNvPr id="249" name="Group 248"/>
+          <p:cNvGrpSpPr/>
+          <p:nvPr/>
+        </p:nvGrpSpPr>
+        <p:grpSpPr>
+          <a:xfrm>
+            <a:off x="9356035" y="5427338"/>
+            <a:ext cx="2421073" cy="2409219"/>
+            <a:chOff x="7736020" y="4355925"/>
+            <a:chExt cx="2421073" cy="2409219"/>
+          </a:xfrm>
+        </p:grpSpPr>
+        <p:pic>
+          <p:nvPicPr>
+            <p:cNvPr id="250" name="Picture 249" descr="C:\Users\Wendy\Documents\wwn20\Data\Exfoliation\Images\2013\10 - October\131028-C12PI\2nd Exfoliation\5\5-8\5-8-x100-bf.jpg"/>
+            <p:cNvPicPr>
+              <a:picLocks noChangeAspect="1" noChangeArrowheads="1"/>
+            </p:cNvPicPr>
+            <p:nvPr/>
+          </p:nvPicPr>
+          <p:blipFill rotWithShape="1">
+            <a:blip r:embed="rId7">
+              <a:extLst>
+                <a:ext uri="{BEBA8EAE-BF5A-486C-A8C5-ECC9F3942E4B}">
+                  <a14:imgProps xmlns:a14="http://schemas.microsoft.com/office/drawing/2010/main">
+                    <a14:imgLayer r:embed="rId8">
+                      <a14:imgEffect>
+                        <a14:brightnessContrast contrast="30000"/>
+                      </a14:imgEffect>
+                    </a14:imgLayer>
+                  </a14:imgProps>
+                </a:ext>
+                <a:ext uri="{28A0092B-C50C-407E-A947-70E740481C1C}">
+                  <a14:useLocalDpi xmlns:a14="http://schemas.microsoft.com/office/drawing/2010/main" val="0"/>
+                </a:ext>
+              </a:extLst>
+            </a:blip>
+            <a:srcRect l="37536" t="30687" r="31229" b="27156"/>
+            <a:stretch/>
+          </p:blipFill>
+          <p:spPr bwMode="auto">
+            <a:xfrm>
+              <a:off x="7776964" y="4355925"/>
+              <a:ext cx="2380129" cy="2409219"/>
+            </a:xfrm>
+            <a:prstGeom prst="rect">
+              <a:avLst/>
+            </a:prstGeom>
+            <a:noFill/>
+            <a:extLst>
+              <a:ext uri="{909E8E84-426E-40DD-AFC4-6F175D3DCCD1}">
+                <a14:hiddenFill xmlns:a14="http://schemas.microsoft.com/office/drawing/2010/main">
+                  <a:solidFill>
+                    <a:srgbClr val="FFFFFF"/>
+                  </a:solidFill>
+                </a14:hiddenFill>
+              </a:ext>
+            </a:extLst>
+          </p:spPr>
+        </p:pic>
+        <p:sp>
+          <p:nvSpPr>
+            <p:cNvPr id="251" name="TextBox 250"/>
+            <p:cNvSpPr txBox="1"/>
+            <p:nvPr/>
+          </p:nvSpPr>
+          <p:spPr>
+            <a:xfrm>
+              <a:off x="7736020" y="6207547"/>
+              <a:ext cx="1008112" cy="430887"/>
+            </a:xfrm>
+            <a:prstGeom prst="rect">
+              <a:avLst/>
+            </a:prstGeom>
+            <a:noFill/>
+          </p:spPr>
+          <p:txBody>
+            <a:bodyPr wrap="square" rtlCol="0">
+              <a:spAutoFit/>
+            </a:bodyPr>
+            <a:lstStyle/>
+            <a:p>
+              <a:r>
+                <a:rPr lang="en-GB" sz="2200" dirty="0">
+                  <a:solidFill>
+                    <a:schemeClr val="bg1"/>
+                  </a:solidFill>
+                </a:rPr>
+                <a:t>2</a:t>
+              </a:r>
+              <a:r>
+                <a:rPr lang="en-GB" sz="2200" dirty="0" smtClean="0">
+                  <a:solidFill>
+                    <a:schemeClr val="bg1"/>
+                  </a:solidFill>
+                </a:rPr>
+                <a:t>µm</a:t>
+              </a:r>
+              <a:endParaRPr lang="en-GB" sz="2200" dirty="0">
+                <a:solidFill>
+                  <a:schemeClr val="bg1"/>
+                </a:solidFill>
+              </a:endParaRPr>
+            </a:p>
+          </p:txBody>
+        </p:sp>
+        <p:cxnSp>
+          <p:nvCxnSpPr>
+            <p:cNvPr id="252" name="Straight Connector 251"/>
+            <p:cNvCxnSpPr/>
+            <p:nvPr/>
+          </p:nvCxnSpPr>
+          <p:spPr>
+            <a:xfrm>
+              <a:off x="7885020" y="6638434"/>
+              <a:ext cx="396000" cy="0"/>
+            </a:xfrm>
+            <a:prstGeom prst="line">
+              <a:avLst/>
+            </a:prstGeom>
+            <a:ln w="57150">
+              <a:solidFill>
+                <a:schemeClr val="bg1"/>
+              </a:solidFill>
+            </a:ln>
+          </p:spPr>
+          <p:style>
+            <a:lnRef idx="1">
+              <a:schemeClr val="accent1"/>
+            </a:lnRef>
+            <a:fillRef idx="0">
+              <a:schemeClr val="accent1"/>
+            </a:fillRef>
+            <a:effectRef idx="0">
+              <a:schemeClr val="accent1"/>
+            </a:effectRef>
+            <a:fontRef idx="minor">
+              <a:schemeClr val="tx1"/>
+            </a:fontRef>
+          </p:style>
+        </p:cxnSp>
+      </p:grpSp>
+      <p:grpSp>
+        <p:nvGrpSpPr>
+          <p:cNvPr id="253" name="Group 252"/>
+          <p:cNvGrpSpPr/>
+          <p:nvPr/>
+        </p:nvGrpSpPr>
+        <p:grpSpPr>
+          <a:xfrm>
+            <a:off x="1441973" y="5463951"/>
+            <a:ext cx="2380129" cy="2420470"/>
+            <a:chOff x="1070546" y="4392538"/>
+            <a:chExt cx="2380129" cy="2420470"/>
+          </a:xfrm>
+        </p:grpSpPr>
+        <p:pic>
+          <p:nvPicPr>
+            <p:cNvPr id="254" name="Picture 4" descr="C:\Users\Wendy\Documents\wwn20\Data\Exfoliation\Images\2013\11 - November\131113-CHPI\Post-exfoliation\2\Area18\x100-bf.jpg"/>
+            <p:cNvPicPr>
+              <a:picLocks noChangeAspect="1" noChangeArrowheads="1"/>
+            </p:cNvPicPr>
+            <p:nvPr/>
+          </p:nvPicPr>
+          <p:blipFill rotWithShape="1">
+            <a:blip r:embed="rId9">
+              <a:extLst>
+                <a:ext uri="{BEBA8EAE-BF5A-486C-A8C5-ECC9F3942E4B}">
+                  <a14:imgProps xmlns:a14="http://schemas.microsoft.com/office/drawing/2010/main">
+                    <a14:imgLayer r:embed="rId10">
+                      <a14:imgEffect>
+                        <a14:brightnessContrast contrast="30000"/>
+                      </a14:imgEffect>
+                    </a14:imgLayer>
+                  </a14:imgProps>
+                </a:ext>
+                <a:ext uri="{28A0092B-C50C-407E-A947-70E740481C1C}">
+                  <a14:useLocalDpi xmlns:a14="http://schemas.microsoft.com/office/drawing/2010/main" val="0"/>
+                </a:ext>
+              </a:extLst>
+            </a:blip>
+            <a:srcRect l="40635" t="35712" r="28130" b="21935"/>
+            <a:stretch/>
+          </p:blipFill>
+          <p:spPr bwMode="auto">
+            <a:xfrm>
+              <a:off x="1070546" y="4392538"/>
+              <a:ext cx="2380129" cy="2420470"/>
+            </a:xfrm>
+            <a:prstGeom prst="rect">
+              <a:avLst/>
+            </a:prstGeom>
+            <a:noFill/>
+            <a:extLst>
+              <a:ext uri="{909E8E84-426E-40DD-AFC4-6F175D3DCCD1}">
+                <a14:hiddenFill xmlns:a14="http://schemas.microsoft.com/office/drawing/2010/main">
+                  <a:solidFill>
+                    <a:srgbClr val="FFFFFF"/>
+                  </a:solidFill>
+                </a14:hiddenFill>
+              </a:ext>
+            </a:extLst>
+          </p:spPr>
+        </p:pic>
+        <p:cxnSp>
+          <p:nvCxnSpPr>
+            <p:cNvPr id="255" name="Straight Connector 254"/>
+            <p:cNvCxnSpPr/>
+            <p:nvPr/>
+          </p:nvCxnSpPr>
+          <p:spPr>
+            <a:xfrm>
+              <a:off x="1163238" y="6696794"/>
+              <a:ext cx="396000" cy="0"/>
+            </a:xfrm>
+            <a:prstGeom prst="line">
+              <a:avLst/>
+            </a:prstGeom>
+            <a:ln w="57150">
+              <a:solidFill>
+                <a:schemeClr val="bg1"/>
+              </a:solidFill>
+            </a:ln>
+          </p:spPr>
+          <p:style>
+            <a:lnRef idx="1">
+              <a:schemeClr val="accent1"/>
+            </a:lnRef>
+            <a:fillRef idx="0">
+              <a:schemeClr val="accent1"/>
+            </a:fillRef>
+            <a:effectRef idx="0">
+              <a:schemeClr val="accent1"/>
+            </a:effectRef>
+            <a:fontRef idx="minor">
+              <a:schemeClr val="tx1"/>
+            </a:fontRef>
+          </p:style>
+        </p:cxnSp>
+      </p:grpSp>
+      <p:grpSp>
+        <p:nvGrpSpPr>
+          <p:cNvPr id="256" name="Group 255"/>
+          <p:cNvGrpSpPr>
+            <a:grpSpLocks noChangeAspect="1"/>
+          </p:cNvGrpSpPr>
+          <p:nvPr/>
+        </p:nvGrpSpPr>
+        <p:grpSpPr>
+          <a:xfrm>
+            <a:off x="4110730" y="1109968"/>
+            <a:ext cx="4604212" cy="3672000"/>
+            <a:chOff x="3785294" y="875630"/>
+            <a:chExt cx="3701432" cy="2952000"/>
+          </a:xfrm>
+        </p:grpSpPr>
+        <p:pic>
+          <p:nvPicPr>
+            <p:cNvPr id="257" name="Picture 11" descr="C:\Users\Wendy\Documents\wwn20\Thesis\Chapter5\Figures\Fig2_CHPI_inter.tif"/>
+            <p:cNvPicPr>
+              <a:picLocks noChangeAspect="1" noChangeArrowheads="1"/>
+            </p:cNvPicPr>
+            <p:nvPr/>
+          </p:nvPicPr>
+          <p:blipFill rotWithShape="1">
+            <a:blip r:embed="rId11">
+              <a:extLst>
+                <a:ext uri="{28A0092B-C50C-407E-A947-70E740481C1C}">
+                  <a14:useLocalDpi xmlns:a14="http://schemas.microsoft.com/office/drawing/2010/main" val="0"/>
+                </a:ext>
+              </a:extLst>
+            </a:blip>
+            <a:srcRect r="5619"/>
+            <a:stretch/>
+          </p:blipFill>
+          <p:spPr bwMode="auto">
+            <a:xfrm>
+              <a:off x="3785294" y="875630"/>
+              <a:ext cx="3701432" cy="2952000"/>
+            </a:xfrm>
+            <a:prstGeom prst="rect">
+              <a:avLst/>
+            </a:prstGeom>
+            <a:noFill/>
+            <a:extLst>
+              <a:ext uri="{909E8E84-426E-40DD-AFC4-6F175D3DCCD1}">
+                <a14:hiddenFill xmlns:a14="http://schemas.microsoft.com/office/drawing/2010/main">
+                  <a:solidFill>
+                    <a:srgbClr val="FFFFFF"/>
+                  </a:solidFill>
+                </a14:hiddenFill>
+              </a:ext>
+            </a:extLst>
+          </p:spPr>
+        </p:pic>
+        <p:cxnSp>
+          <p:nvCxnSpPr>
+            <p:cNvPr id="258" name="Straight Connector 257"/>
+            <p:cNvCxnSpPr/>
+            <p:nvPr/>
+          </p:nvCxnSpPr>
+          <p:spPr>
+            <a:xfrm>
+              <a:off x="5234600" y="1068554"/>
+              <a:ext cx="0" cy="2160000"/>
+            </a:xfrm>
+            <a:prstGeom prst="line">
+              <a:avLst/>
+            </a:prstGeom>
+            <a:ln w="25400">
+              <a:solidFill>
+                <a:schemeClr val="bg1">
+                  <a:lumMod val="50000"/>
+                </a:schemeClr>
+              </a:solidFill>
+              <a:prstDash val="sysDash"/>
+            </a:ln>
+          </p:spPr>
+          <p:style>
+            <a:lnRef idx="1">
+              <a:schemeClr val="accent1"/>
+            </a:lnRef>
+            <a:fillRef idx="0">
+              <a:schemeClr val="accent1"/>
+            </a:fillRef>
+            <a:effectRef idx="0">
+              <a:schemeClr val="accent1"/>
+            </a:effectRef>
+            <a:fontRef idx="minor">
+              <a:schemeClr val="tx1"/>
+            </a:fontRef>
+          </p:style>
+        </p:cxnSp>
+      </p:grpSp>
+      <p:grpSp>
+        <p:nvGrpSpPr>
+          <p:cNvPr id="259" name="Group 258"/>
+          <p:cNvGrpSpPr>
+            <a:grpSpLocks noChangeAspect="1"/>
+          </p:cNvGrpSpPr>
+          <p:nvPr/>
+        </p:nvGrpSpPr>
+        <p:grpSpPr>
+          <a:xfrm>
+            <a:off x="4100876" y="4964075"/>
+            <a:ext cx="4604218" cy="3672000"/>
+            <a:chOff x="3785294" y="4068388"/>
+            <a:chExt cx="3701432" cy="2952000"/>
+          </a:xfrm>
+        </p:grpSpPr>
+        <p:pic>
+          <p:nvPicPr>
+            <p:cNvPr id="260" name="Picture 10" descr="C:\Users\Wendy\Documents\wwn20\Thesis\Chapter5\Figures\Fig2_CHPI_exf.tif"/>
+            <p:cNvPicPr>
+              <a:picLocks noChangeAspect="1" noChangeArrowheads="1"/>
+            </p:cNvPicPr>
+            <p:nvPr/>
+          </p:nvPicPr>
+          <p:blipFill rotWithShape="1">
+            <a:blip r:embed="rId12">
+              <a:extLst>
+                <a:ext uri="{28A0092B-C50C-407E-A947-70E740481C1C}">
+                  <a14:useLocalDpi xmlns:a14="http://schemas.microsoft.com/office/drawing/2010/main" val="0"/>
+                </a:ext>
+              </a:extLst>
+            </a:blip>
+            <a:srcRect r="5619"/>
+            <a:stretch/>
+          </p:blipFill>
+          <p:spPr bwMode="auto">
+            <a:xfrm>
+              <a:off x="3785294" y="4068388"/>
+              <a:ext cx="3701432" cy="2952000"/>
+            </a:xfrm>
+            <a:prstGeom prst="rect">
+              <a:avLst/>
+            </a:prstGeom>
+            <a:noFill/>
+            <a:extLst>
+              <a:ext uri="{909E8E84-426E-40DD-AFC4-6F175D3DCCD1}">
+                <a14:hiddenFill xmlns:a14="http://schemas.microsoft.com/office/drawing/2010/main">
+                  <a:solidFill>
+                    <a:srgbClr val="FFFFFF"/>
+                  </a:solidFill>
+                </a14:hiddenFill>
+              </a:ext>
+            </a:extLst>
+          </p:spPr>
+        </p:pic>
+        <p:cxnSp>
+          <p:nvCxnSpPr>
+            <p:cNvPr id="261" name="Straight Connector 260"/>
+            <p:cNvCxnSpPr/>
+            <p:nvPr/>
+          </p:nvCxnSpPr>
+          <p:spPr>
+            <a:xfrm>
+              <a:off x="5105724" y="4263008"/>
+              <a:ext cx="0" cy="2160000"/>
+            </a:xfrm>
+            <a:prstGeom prst="line">
+              <a:avLst/>
+            </a:prstGeom>
+            <a:ln w="25400">
+              <a:solidFill>
+                <a:schemeClr val="bg1">
+                  <a:lumMod val="50000"/>
+                </a:schemeClr>
+              </a:solidFill>
+              <a:prstDash val="sysDash"/>
+            </a:ln>
+          </p:spPr>
+          <p:style>
+            <a:lnRef idx="1">
+              <a:schemeClr val="accent1"/>
+            </a:lnRef>
+            <a:fillRef idx="0">
+              <a:schemeClr val="accent1"/>
+            </a:fillRef>
+            <a:effectRef idx="0">
+              <a:schemeClr val="accent1"/>
+            </a:effectRef>
+            <a:fontRef idx="minor">
+              <a:schemeClr val="tx1"/>
+            </a:fontRef>
+          </p:style>
+        </p:cxnSp>
+      </p:grpSp>
+      <p:grpSp>
+        <p:nvGrpSpPr>
+          <p:cNvPr id="262" name="Group 261"/>
+          <p:cNvGrpSpPr>
+            <a:grpSpLocks noChangeAspect="1"/>
+          </p:cNvGrpSpPr>
+          <p:nvPr/>
+        </p:nvGrpSpPr>
+        <p:grpSpPr>
+          <a:xfrm>
+            <a:off x="12037078" y="1103343"/>
+            <a:ext cx="4612738" cy="3672000"/>
+            <a:chOff x="10621413" y="855762"/>
+            <a:chExt cx="3708279" cy="2952000"/>
+          </a:xfrm>
+        </p:grpSpPr>
+        <p:pic>
+          <p:nvPicPr>
+            <p:cNvPr id="263" name="Picture 8" descr="C:\Users\Wendy\Documents\wwn20\Thesis\Chapter5\Figures\Fig2_C12PI_int.tif"/>
+            <p:cNvPicPr>
+              <a:picLocks noChangeAspect="1" noChangeArrowheads="1"/>
+            </p:cNvPicPr>
+            <p:nvPr/>
+          </p:nvPicPr>
+          <p:blipFill rotWithShape="1">
+            <a:blip r:embed="rId13">
+              <a:extLst>
+                <a:ext uri="{28A0092B-C50C-407E-A947-70E740481C1C}">
+                  <a14:useLocalDpi xmlns:a14="http://schemas.microsoft.com/office/drawing/2010/main" val="0"/>
+                </a:ext>
+              </a:extLst>
+            </a:blip>
+            <a:srcRect r="5445"/>
+            <a:stretch/>
+          </p:blipFill>
+          <p:spPr bwMode="auto">
+            <a:xfrm>
+              <a:off x="10621413" y="855762"/>
+              <a:ext cx="3708279" cy="2952000"/>
+            </a:xfrm>
+            <a:prstGeom prst="rect">
+              <a:avLst/>
+            </a:prstGeom>
+            <a:noFill/>
+            <a:extLst>
+              <a:ext uri="{909E8E84-426E-40DD-AFC4-6F175D3DCCD1}">
+                <a14:hiddenFill xmlns:a14="http://schemas.microsoft.com/office/drawing/2010/main">
+                  <a:solidFill>
+                    <a:srgbClr val="FFFFFF"/>
+                  </a:solidFill>
+                </a14:hiddenFill>
+              </a:ext>
+            </a:extLst>
+          </p:spPr>
+        </p:pic>
+        <p:cxnSp>
+          <p:nvCxnSpPr>
+            <p:cNvPr id="264" name="Straight Connector 263"/>
+            <p:cNvCxnSpPr/>
+            <p:nvPr/>
+          </p:nvCxnSpPr>
+          <p:spPr>
+            <a:xfrm>
+              <a:off x="11775885" y="1056928"/>
+              <a:ext cx="0" cy="2160000"/>
+            </a:xfrm>
+            <a:prstGeom prst="line">
+              <a:avLst/>
+            </a:prstGeom>
+            <a:ln w="25400">
+              <a:solidFill>
+                <a:schemeClr val="bg1">
+                  <a:lumMod val="50000"/>
+                </a:schemeClr>
+              </a:solidFill>
+              <a:prstDash val="sysDash"/>
+            </a:ln>
+          </p:spPr>
+          <p:style>
+            <a:lnRef idx="1">
+              <a:schemeClr val="accent1"/>
+            </a:lnRef>
+            <a:fillRef idx="0">
+              <a:schemeClr val="accent1"/>
+            </a:fillRef>
+            <a:effectRef idx="0">
+              <a:schemeClr val="accent1"/>
+            </a:effectRef>
+            <a:fontRef idx="minor">
+              <a:schemeClr val="tx1"/>
+            </a:fontRef>
+          </p:style>
+        </p:cxnSp>
+      </p:grpSp>
+      <p:grpSp>
+        <p:nvGrpSpPr>
+          <p:cNvPr id="265" name="Group 264"/>
+          <p:cNvGrpSpPr>
+            <a:grpSpLocks noChangeAspect="1"/>
+          </p:cNvGrpSpPr>
+          <p:nvPr/>
+        </p:nvGrpSpPr>
+        <p:grpSpPr>
+          <a:xfrm>
+            <a:off x="12055214" y="4954525"/>
+            <a:ext cx="4612738" cy="3672000"/>
+            <a:chOff x="10621413" y="4077888"/>
+            <a:chExt cx="3708279" cy="2952000"/>
+          </a:xfrm>
+        </p:grpSpPr>
+        <p:pic>
+          <p:nvPicPr>
+            <p:cNvPr id="266" name="Picture 9" descr="C:\Users\Wendy\Documents\wwn20\Thesis\Chapter5\Figures\Fig2_C12PI_exf.tif"/>
+            <p:cNvPicPr>
+              <a:picLocks noChangeAspect="1" noChangeArrowheads="1"/>
+            </p:cNvPicPr>
+            <p:nvPr/>
+          </p:nvPicPr>
+          <p:blipFill rotWithShape="1">
+            <a:blip r:embed="rId14">
+              <a:extLst>
+                <a:ext uri="{28A0092B-C50C-407E-A947-70E740481C1C}">
+                  <a14:useLocalDpi xmlns:a14="http://schemas.microsoft.com/office/drawing/2010/main" val="0"/>
+                </a:ext>
+              </a:extLst>
+            </a:blip>
+            <a:srcRect r="5445"/>
+            <a:stretch/>
+          </p:blipFill>
+          <p:spPr bwMode="auto">
+            <a:xfrm>
+              <a:off x="10621413" y="4077888"/>
+              <a:ext cx="3708279" cy="2952000"/>
+            </a:xfrm>
+            <a:prstGeom prst="rect">
+              <a:avLst/>
+            </a:prstGeom>
+            <a:noFill/>
+            <a:extLst>
+              <a:ext uri="{909E8E84-426E-40DD-AFC4-6F175D3DCCD1}">
+                <a14:hiddenFill xmlns:a14="http://schemas.microsoft.com/office/drawing/2010/main">
+                  <a:solidFill>
+                    <a:srgbClr val="FFFFFF"/>
+                  </a:solidFill>
+                </a14:hiddenFill>
+              </a:ext>
+            </a:extLst>
+          </p:spPr>
+        </p:pic>
+        <p:cxnSp>
+          <p:nvCxnSpPr>
+            <p:cNvPr id="267" name="Straight Connector 266"/>
+            <p:cNvCxnSpPr/>
+            <p:nvPr/>
+          </p:nvCxnSpPr>
+          <p:spPr>
+            <a:xfrm>
+              <a:off x="11949460" y="4274410"/>
+              <a:ext cx="0" cy="2160000"/>
+            </a:xfrm>
+            <a:prstGeom prst="line">
+              <a:avLst/>
+            </a:prstGeom>
+            <a:ln w="25400">
+              <a:solidFill>
+                <a:schemeClr val="bg1">
+                  <a:lumMod val="50000"/>
+                </a:schemeClr>
+              </a:solidFill>
+              <a:prstDash val="sysDash"/>
+            </a:ln>
+          </p:spPr>
+          <p:style>
+            <a:lnRef idx="1">
+              <a:schemeClr val="accent1"/>
+            </a:lnRef>
+            <a:fillRef idx="0">
+              <a:schemeClr val="accent1"/>
+            </a:fillRef>
+            <a:effectRef idx="0">
+              <a:schemeClr val="accent1"/>
+            </a:effectRef>
+            <a:fontRef idx="minor">
+              <a:schemeClr val="tx1"/>
+            </a:fontRef>
+          </p:style>
+        </p:cxnSp>
+      </p:grpSp>
+      <p:sp>
+        <p:nvSpPr>
+          <p:cNvPr id="268" name="TextBox 267"/>
+          <p:cNvSpPr txBox="1"/>
+          <p:nvPr/>
+        </p:nvSpPr>
+        <p:spPr>
+          <a:xfrm>
+            <a:off x="862164" y="936179"/>
+            <a:ext cx="720180" cy="630942"/>
           </a:xfrm>
           <a:prstGeom prst="rect">
             <a:avLst/>
           </a:prstGeom>
           <a:noFill/>
-          <a:extLst>
-            <a:ext uri="{909E8E84-426E-40DD-AFC4-6F175D3DCCD1}">
-              <a14:hiddenFill xmlns:a14="http://schemas.microsoft.com/office/drawing/2010/main">
-                <a:solidFill>
-                  <a:srgbClr val="FFFFFF"/>
-                </a:solidFill>
-              </a14:hiddenFill>
-            </a:ext>
-          </a:extLst>
         </p:spPr>
-      </p:pic>
-      <p:pic>
-        <p:nvPicPr>
-          <p:cNvPr id="2057" name="Picture 9" descr="C:\Users\Wendy\Documents\wwn20\Thesis\Chapter5\Figures\Fig2_C12PI_exf.tif"/>
-          <p:cNvPicPr>
-            <a:picLocks noChangeAspect="1" noChangeArrowheads="1"/>
-          </p:cNvPicPr>
+        <p:txBody>
+          <a:bodyPr wrap="square" rtlCol="0">
+            <a:spAutoFit/>
+          </a:bodyPr>
+          <a:lstStyle/>
+          <a:p>
+            <a:r>
+              <a:rPr lang="en-GB" sz="3500" dirty="0" smtClean="0"/>
+              <a:t>(a)</a:t>
+            </a:r>
+            <a:endParaRPr lang="en-GB" sz="3500" dirty="0"/>
+          </a:p>
+        </p:txBody>
+      </p:sp>
+      <p:sp>
+        <p:nvSpPr>
+          <p:cNvPr id="269" name="TextBox 268"/>
+          <p:cNvSpPr txBox="1"/>
           <p:nvPr/>
-        </p:nvPicPr>
-        <p:blipFill rotWithShape="1">
-          <a:blip r:embed="rId4">
-            <a:extLst>
-              <a:ext uri="{28A0092B-C50C-407E-A947-70E740481C1C}">
-                <a14:useLocalDpi xmlns:a14="http://schemas.microsoft.com/office/drawing/2010/main" val="0"/>
-              </a:ext>
-            </a:extLst>
-          </a:blip>
-          <a:srcRect r="5445"/>
-          <a:stretch/>
-        </p:blipFill>
-        <p:spPr bwMode="auto">
+        </p:nvSpPr>
+        <p:spPr>
           <a:xfrm>
-            <a:off x="10621413" y="4077888"/>
-            <a:ext cx="3708279" cy="2952000"/>
+            <a:off x="8793485" y="936179"/>
+            <a:ext cx="720180" cy="630942"/>
           </a:xfrm>
           <a:prstGeom prst="rect">
             <a:avLst/>
           </a:prstGeom>
           <a:noFill/>
-          <a:extLst>
-            <a:ext uri="{909E8E84-426E-40DD-AFC4-6F175D3DCCD1}">
-              <a14:hiddenFill xmlns:a14="http://schemas.microsoft.com/office/drawing/2010/main">
-                <a:solidFill>
-                  <a:srgbClr val="FFFFFF"/>
-                </a:solidFill>
-              </a14:hiddenFill>
-            </a:ext>
-          </a:extLst>
         </p:spPr>
-      </p:pic>
-      <p:pic>
-        <p:nvPicPr>
-          <p:cNvPr id="2058" name="Picture 10" descr="C:\Users\Wendy\Documents\wwn20\Thesis\Chapter5\Figures\Fig2_CHPI_exf.tif"/>
-          <p:cNvPicPr>
-            <a:picLocks noChangeAspect="1" noChangeArrowheads="1"/>
-          </p:cNvPicPr>
+        <p:txBody>
+          <a:bodyPr wrap="square" rtlCol="0">
+            <a:spAutoFit/>
+          </a:bodyPr>
+          <a:lstStyle/>
+          <a:p>
+            <a:r>
+              <a:rPr lang="en-GB" sz="3500" dirty="0" smtClean="0"/>
+              <a:t>(b)</a:t>
+            </a:r>
+            <a:endParaRPr lang="en-GB" sz="3500" dirty="0"/>
+          </a:p>
+        </p:txBody>
+      </p:sp>
+      <p:sp>
+        <p:nvSpPr>
+          <p:cNvPr id="270" name="TextBox 269"/>
+          <p:cNvSpPr txBox="1"/>
           <p:nvPr/>
-        </p:nvPicPr>
-        <p:blipFill rotWithShape="1">
-          <a:blip r:embed="rId5">
-            <a:extLst>
-              <a:ext uri="{28A0092B-C50C-407E-A947-70E740481C1C}">
-                <a14:useLocalDpi xmlns:a14="http://schemas.microsoft.com/office/drawing/2010/main" val="0"/>
-              </a:ext>
-            </a:extLst>
-          </a:blip>
-          <a:srcRect r="5619"/>
-          <a:stretch/>
-        </p:blipFill>
-        <p:spPr bwMode="auto">
+        </p:nvSpPr>
+        <p:spPr>
           <a:xfrm>
-            <a:off x="3785294" y="4068388"/>
-            <a:ext cx="3701432" cy="2952000"/>
+            <a:off x="841273" y="4765399"/>
+            <a:ext cx="720180" cy="630942"/>
           </a:xfrm>
           <a:prstGeom prst="rect">
             <a:avLst/>
           </a:prstGeom>
           <a:noFill/>
-          <a:extLst>
-            <a:ext uri="{909E8E84-426E-40DD-AFC4-6F175D3DCCD1}">
-              <a14:hiddenFill xmlns:a14="http://schemas.microsoft.com/office/drawing/2010/main">
-                <a:solidFill>
-                  <a:srgbClr val="FFFFFF"/>
-                </a:solidFill>
-              </a14:hiddenFill>
-            </a:ext>
-          </a:extLst>
         </p:spPr>
-      </p:pic>
-      <p:pic>
-        <p:nvPicPr>
-          <p:cNvPr id="2059" name="Picture 11" descr="C:\Users\Wendy\Documents\wwn20\Thesis\Chapter5\Figures\Fig2_CHPI_inter.tif"/>
-          <p:cNvPicPr>
-            <a:picLocks noChangeAspect="1" noChangeArrowheads="1"/>
-          </p:cNvPicPr>
+        <p:txBody>
+          <a:bodyPr wrap="square" rtlCol="0">
+            <a:spAutoFit/>
+          </a:bodyPr>
+          <a:lstStyle/>
+          <a:p>
+            <a:r>
+              <a:rPr lang="en-GB" sz="3500" dirty="0" smtClean="0"/>
+              <a:t>(c)</a:t>
+            </a:r>
+            <a:endParaRPr lang="en-GB" sz="3500" dirty="0"/>
+          </a:p>
+        </p:txBody>
+      </p:sp>
+      <p:sp>
+        <p:nvSpPr>
+          <p:cNvPr id="271" name="TextBox 270"/>
+          <p:cNvSpPr txBox="1"/>
           <p:nvPr/>
-        </p:nvPicPr>
-        <p:blipFill rotWithShape="1">
-          <a:blip r:embed="rId6">
-            <a:extLst>
-              <a:ext uri="{28A0092B-C50C-407E-A947-70E740481C1C}">
-                <a14:useLocalDpi xmlns:a14="http://schemas.microsoft.com/office/drawing/2010/main" val="0"/>
-              </a:ext>
-            </a:extLst>
-          </a:blip>
-          <a:srcRect r="5619"/>
-          <a:stretch/>
-        </p:blipFill>
-        <p:spPr bwMode="auto">
+        </p:nvSpPr>
+        <p:spPr>
           <a:xfrm>
-            <a:off x="3785294" y="875630"/>
-            <a:ext cx="3701432" cy="2952000"/>
+            <a:off x="8773521" y="4752637"/>
+            <a:ext cx="720180" cy="630942"/>
           </a:xfrm>
           <a:prstGeom prst="rect">
             <a:avLst/>
           </a:prstGeom>
           <a:noFill/>
-          <a:extLst>
-            <a:ext uri="{909E8E84-426E-40DD-AFC4-6F175D3DCCD1}">
-              <a14:hiddenFill xmlns:a14="http://schemas.microsoft.com/office/drawing/2010/main">
+        </p:spPr>
+        <p:txBody>
+          <a:bodyPr wrap="square" rtlCol="0">
+            <a:spAutoFit/>
+          </a:bodyPr>
+          <a:lstStyle/>
+          <a:p>
+            <a:r>
+              <a:rPr lang="en-GB" sz="3500" dirty="0" smtClean="0"/>
+              <a:t>(d)</a:t>
+            </a:r>
+            <a:endParaRPr lang="en-GB" sz="3500" dirty="0"/>
+          </a:p>
+        </p:txBody>
+      </p:sp>
+      <p:grpSp>
+        <p:nvGrpSpPr>
+          <p:cNvPr id="272" name="Group 271"/>
+          <p:cNvGrpSpPr/>
+          <p:nvPr/>
+        </p:nvGrpSpPr>
+        <p:grpSpPr>
+          <a:xfrm flipV="1">
+            <a:off x="2776123" y="1567120"/>
+            <a:ext cx="1760655" cy="1716395"/>
+            <a:chOff x="2383805" y="2681312"/>
+            <a:chExt cx="1760655" cy="1703459"/>
+          </a:xfrm>
+        </p:grpSpPr>
+        <p:cxnSp>
+          <p:nvCxnSpPr>
+            <p:cNvPr id="273" name="Straight Arrow Connector 272"/>
+            <p:cNvCxnSpPr>
+              <a:stCxn id="274" idx="6"/>
+            </p:cNvCxnSpPr>
+            <p:nvPr/>
+          </p:nvCxnSpPr>
+          <p:spPr>
+            <a:xfrm>
+              <a:off x="2473805" y="2726312"/>
+              <a:ext cx="1670655" cy="1658459"/>
+            </a:xfrm>
+            <a:prstGeom prst="straightConnector1">
+              <a:avLst/>
+            </a:prstGeom>
+            <a:ln w="22225">
+              <a:solidFill>
+                <a:schemeClr val="tx1"/>
+              </a:solidFill>
+              <a:headEnd type="none" w="med" len="med"/>
+              <a:tailEnd type="triangle" w="lg" len="lg"/>
+            </a:ln>
+          </p:spPr>
+          <p:style>
+            <a:lnRef idx="1">
+              <a:schemeClr val="accent1"/>
+            </a:lnRef>
+            <a:fillRef idx="0">
+              <a:schemeClr val="accent1"/>
+            </a:fillRef>
+            <a:effectRef idx="0">
+              <a:schemeClr val="accent1"/>
+            </a:effectRef>
+            <a:fontRef idx="minor">
+              <a:schemeClr val="tx1"/>
+            </a:fontRef>
+          </p:style>
+        </p:cxnSp>
+        <p:sp>
+          <p:nvSpPr>
+            <p:cNvPr id="274" name="Oval 273"/>
+            <p:cNvSpPr/>
+            <p:nvPr/>
+          </p:nvSpPr>
+          <p:spPr>
+            <a:xfrm>
+              <a:off x="2383805" y="2681312"/>
+              <a:ext cx="90000" cy="90000"/>
+            </a:xfrm>
+            <a:prstGeom prst="ellipse">
+              <a:avLst/>
+            </a:prstGeom>
+            <a:solidFill>
+              <a:schemeClr val="tx1"/>
+            </a:solidFill>
+            <a:ln>
+              <a:noFill/>
+            </a:ln>
+          </p:spPr>
+          <p:style>
+            <a:lnRef idx="2">
+              <a:schemeClr val="accent1">
+                <a:shade val="50000"/>
+              </a:schemeClr>
+            </a:lnRef>
+            <a:fillRef idx="1">
+              <a:schemeClr val="accent1"/>
+            </a:fillRef>
+            <a:effectRef idx="0">
+              <a:schemeClr val="accent1"/>
+            </a:effectRef>
+            <a:fontRef idx="minor">
+              <a:schemeClr val="lt1"/>
+            </a:fontRef>
+          </p:style>
+          <p:txBody>
+            <a:bodyPr rtlCol="0" anchor="ctr"/>
+            <a:lstStyle/>
+            <a:p>
+              <a:pPr algn="ctr"/>
+              <a:endParaRPr lang="en-GB"/>
+            </a:p>
+          </p:txBody>
+        </p:sp>
+      </p:grpSp>
+      <p:grpSp>
+        <p:nvGrpSpPr>
+          <p:cNvPr id="275" name="Group 274"/>
+          <p:cNvGrpSpPr/>
+          <p:nvPr/>
+        </p:nvGrpSpPr>
+        <p:grpSpPr>
+          <a:xfrm>
+            <a:off x="10426315" y="1567121"/>
+            <a:ext cx="1986769" cy="967116"/>
+            <a:chOff x="2383805" y="1804196"/>
+            <a:chExt cx="1986769" cy="967116"/>
+          </a:xfrm>
+        </p:grpSpPr>
+        <p:cxnSp>
+          <p:nvCxnSpPr>
+            <p:cNvPr id="276" name="Straight Arrow Connector 275"/>
+            <p:cNvCxnSpPr/>
+            <p:nvPr/>
+          </p:nvCxnSpPr>
+          <p:spPr>
+            <a:xfrm flipV="1">
+              <a:off x="2473805" y="1804196"/>
+              <a:ext cx="1896769" cy="941166"/>
+            </a:xfrm>
+            <a:prstGeom prst="straightConnector1">
+              <a:avLst/>
+            </a:prstGeom>
+            <a:ln w="22225">
+              <a:solidFill>
+                <a:schemeClr val="tx1"/>
+              </a:solidFill>
+              <a:headEnd type="none" w="med" len="med"/>
+              <a:tailEnd type="triangle" w="lg" len="lg"/>
+            </a:ln>
+          </p:spPr>
+          <p:style>
+            <a:lnRef idx="1">
+              <a:schemeClr val="accent1"/>
+            </a:lnRef>
+            <a:fillRef idx="0">
+              <a:schemeClr val="accent1"/>
+            </a:fillRef>
+            <a:effectRef idx="0">
+              <a:schemeClr val="accent1"/>
+            </a:effectRef>
+            <a:fontRef idx="minor">
+              <a:schemeClr val="tx1"/>
+            </a:fontRef>
+          </p:style>
+        </p:cxnSp>
+        <p:sp>
+          <p:nvSpPr>
+            <p:cNvPr id="277" name="Oval 276"/>
+            <p:cNvSpPr/>
+            <p:nvPr/>
+          </p:nvSpPr>
+          <p:spPr>
+            <a:xfrm>
+              <a:off x="2383805" y="2681312"/>
+              <a:ext cx="90000" cy="90000"/>
+            </a:xfrm>
+            <a:prstGeom prst="ellipse">
+              <a:avLst/>
+            </a:prstGeom>
+            <a:solidFill>
+              <a:schemeClr val="tx1"/>
+            </a:solidFill>
+            <a:ln>
+              <a:noFill/>
+            </a:ln>
+          </p:spPr>
+          <p:style>
+            <a:lnRef idx="2">
+              <a:schemeClr val="accent1">
+                <a:shade val="50000"/>
+              </a:schemeClr>
+            </a:lnRef>
+            <a:fillRef idx="1">
+              <a:schemeClr val="accent1"/>
+            </a:fillRef>
+            <a:effectRef idx="0">
+              <a:schemeClr val="accent1"/>
+            </a:effectRef>
+            <a:fontRef idx="minor">
+              <a:schemeClr val="lt1"/>
+            </a:fontRef>
+          </p:style>
+          <p:txBody>
+            <a:bodyPr rtlCol="0" anchor="ctr"/>
+            <a:lstStyle/>
+            <a:p>
+              <a:pPr algn="ctr"/>
+              <a:endParaRPr lang="en-GB"/>
+            </a:p>
+          </p:txBody>
+        </p:sp>
+      </p:grpSp>
+      <p:grpSp>
+        <p:nvGrpSpPr>
+          <p:cNvPr id="278" name="Group 277"/>
+          <p:cNvGrpSpPr/>
+          <p:nvPr/>
+        </p:nvGrpSpPr>
+        <p:grpSpPr>
+          <a:xfrm>
+            <a:off x="2340763" y="5463951"/>
+            <a:ext cx="2051999" cy="1571532"/>
+            <a:chOff x="2383805" y="1199780"/>
+            <a:chExt cx="2051999" cy="1571532"/>
+          </a:xfrm>
+        </p:grpSpPr>
+        <p:cxnSp>
+          <p:nvCxnSpPr>
+            <p:cNvPr id="279" name="Straight Arrow Connector 278"/>
+            <p:cNvCxnSpPr/>
+            <p:nvPr/>
+          </p:nvCxnSpPr>
+          <p:spPr>
+            <a:xfrm flipV="1">
+              <a:off x="2460625" y="1199780"/>
+              <a:ext cx="1975179" cy="1513762"/>
+            </a:xfrm>
+            <a:prstGeom prst="straightConnector1">
+              <a:avLst/>
+            </a:prstGeom>
+            <a:ln w="22225">
+              <a:solidFill>
+                <a:schemeClr val="tx1"/>
+              </a:solidFill>
+              <a:headEnd type="none" w="med" len="med"/>
+              <a:tailEnd type="triangle" w="lg" len="lg"/>
+            </a:ln>
+          </p:spPr>
+          <p:style>
+            <a:lnRef idx="1">
+              <a:schemeClr val="accent1"/>
+            </a:lnRef>
+            <a:fillRef idx="0">
+              <a:schemeClr val="accent1"/>
+            </a:fillRef>
+            <a:effectRef idx="0">
+              <a:schemeClr val="accent1"/>
+            </a:effectRef>
+            <a:fontRef idx="minor">
+              <a:schemeClr val="tx1"/>
+            </a:fontRef>
+          </p:style>
+        </p:cxnSp>
+        <p:sp>
+          <p:nvSpPr>
+            <p:cNvPr id="280" name="Oval 279"/>
+            <p:cNvSpPr/>
+            <p:nvPr/>
+          </p:nvSpPr>
+          <p:spPr>
+            <a:xfrm>
+              <a:off x="2383805" y="2681312"/>
+              <a:ext cx="90000" cy="90000"/>
+            </a:xfrm>
+            <a:prstGeom prst="ellipse">
+              <a:avLst/>
+            </a:prstGeom>
+            <a:solidFill>
+              <a:schemeClr val="tx1"/>
+            </a:solidFill>
+            <a:ln>
+              <a:noFill/>
+            </a:ln>
+          </p:spPr>
+          <p:style>
+            <a:lnRef idx="2">
+              <a:schemeClr val="accent1">
+                <a:shade val="50000"/>
+              </a:schemeClr>
+            </a:lnRef>
+            <a:fillRef idx="1">
+              <a:schemeClr val="accent1"/>
+            </a:fillRef>
+            <a:effectRef idx="0">
+              <a:schemeClr val="accent1"/>
+            </a:effectRef>
+            <a:fontRef idx="minor">
+              <a:schemeClr val="lt1"/>
+            </a:fontRef>
+          </p:style>
+          <p:txBody>
+            <a:bodyPr rtlCol="0" anchor="ctr"/>
+            <a:lstStyle/>
+            <a:p>
+              <a:pPr algn="ctr"/>
+              <a:endParaRPr lang="en-GB"/>
+            </a:p>
+          </p:txBody>
+        </p:sp>
+      </p:grpSp>
+      <p:grpSp>
+        <p:nvGrpSpPr>
+          <p:cNvPr id="281" name="Group 280"/>
+          <p:cNvGrpSpPr/>
+          <p:nvPr/>
+        </p:nvGrpSpPr>
+        <p:grpSpPr>
+          <a:xfrm>
+            <a:off x="11251771" y="5463951"/>
+            <a:ext cx="1161313" cy="657072"/>
+            <a:chOff x="2383805" y="2114240"/>
+            <a:chExt cx="1161313" cy="657072"/>
+          </a:xfrm>
+        </p:grpSpPr>
+        <p:cxnSp>
+          <p:nvCxnSpPr>
+            <p:cNvPr id="282" name="Straight Arrow Connector 281"/>
+            <p:cNvCxnSpPr/>
+            <p:nvPr/>
+          </p:nvCxnSpPr>
+          <p:spPr>
+            <a:xfrm flipV="1">
+              <a:off x="2435705" y="2114240"/>
+              <a:ext cx="1109413" cy="593022"/>
+            </a:xfrm>
+            <a:prstGeom prst="straightConnector1">
+              <a:avLst/>
+            </a:prstGeom>
+            <a:ln w="22225">
+              <a:solidFill>
+                <a:schemeClr val="tx1"/>
+              </a:solidFill>
+              <a:headEnd type="none" w="med" len="med"/>
+              <a:tailEnd type="triangle" w="lg" len="lg"/>
+            </a:ln>
+          </p:spPr>
+          <p:style>
+            <a:lnRef idx="1">
+              <a:schemeClr val="accent1"/>
+            </a:lnRef>
+            <a:fillRef idx="0">
+              <a:schemeClr val="accent1"/>
+            </a:fillRef>
+            <a:effectRef idx="0">
+              <a:schemeClr val="accent1"/>
+            </a:effectRef>
+            <a:fontRef idx="minor">
+              <a:schemeClr val="tx1"/>
+            </a:fontRef>
+          </p:style>
+        </p:cxnSp>
+        <p:sp>
+          <p:nvSpPr>
+            <p:cNvPr id="283" name="Oval 282"/>
+            <p:cNvSpPr/>
+            <p:nvPr/>
+          </p:nvSpPr>
+          <p:spPr>
+            <a:xfrm>
+              <a:off x="2383805" y="2681312"/>
+              <a:ext cx="90000" cy="90000"/>
+            </a:xfrm>
+            <a:prstGeom prst="ellipse">
+              <a:avLst/>
+            </a:prstGeom>
+            <a:solidFill>
+              <a:schemeClr val="tx1"/>
+            </a:solidFill>
+            <a:ln>
+              <a:noFill/>
+            </a:ln>
+          </p:spPr>
+          <p:style>
+            <a:lnRef idx="2">
+              <a:schemeClr val="accent1">
+                <a:shade val="50000"/>
+              </a:schemeClr>
+            </a:lnRef>
+            <a:fillRef idx="1">
+              <a:schemeClr val="accent1"/>
+            </a:fillRef>
+            <a:effectRef idx="0">
+              <a:schemeClr val="accent1"/>
+            </a:effectRef>
+            <a:fontRef idx="minor">
+              <a:schemeClr val="lt1"/>
+            </a:fontRef>
+          </p:style>
+          <p:txBody>
+            <a:bodyPr rtlCol="0" anchor="ctr"/>
+            <a:lstStyle/>
+            <a:p>
+              <a:pPr algn="ctr"/>
+              <a:endParaRPr lang="en-GB"/>
+            </a:p>
+          </p:txBody>
+        </p:sp>
+      </p:grpSp>
+      <p:sp>
+        <p:nvSpPr>
+          <p:cNvPr id="284" name="TextBox 283"/>
+          <p:cNvSpPr txBox="1"/>
+          <p:nvPr/>
+        </p:nvSpPr>
+        <p:spPr>
+          <a:xfrm>
+            <a:off x="1428848" y="3468708"/>
+            <a:ext cx="1008112" cy="430887"/>
+          </a:xfrm>
+          <a:prstGeom prst="rect">
+            <a:avLst/>
+          </a:prstGeom>
+          <a:noFill/>
+        </p:spPr>
+        <p:txBody>
+          <a:bodyPr wrap="square" rtlCol="0">
+            <a:spAutoFit/>
+          </a:bodyPr>
+          <a:lstStyle/>
+          <a:p>
+            <a:r>
+              <a:rPr lang="en-GB" sz="2200" dirty="0" smtClean="0">
                 <a:solidFill>
-                  <a:srgbClr val="FFFFFF"/>
+                  <a:schemeClr val="bg1"/>
                 </a:solidFill>
-              </a14:hiddenFill>
-            </a:ext>
-          </a:extLst>
+              </a:rPr>
+              <a:t>10µm</a:t>
+            </a:r>
+            <a:endParaRPr lang="en-GB" sz="2200" dirty="0">
+              <a:solidFill>
+                <a:schemeClr val="bg1"/>
+              </a:solidFill>
+            </a:endParaRPr>
+          </a:p>
+        </p:txBody>
+      </p:sp>
+      <p:sp>
+        <p:nvSpPr>
+          <p:cNvPr id="285" name="TextBox 284"/>
+          <p:cNvSpPr txBox="1"/>
+          <p:nvPr/>
+        </p:nvSpPr>
+        <p:spPr>
+          <a:xfrm>
+            <a:off x="1421384" y="7371581"/>
+            <a:ext cx="1008112" cy="430887"/>
+          </a:xfrm>
+          <a:prstGeom prst="rect">
+            <a:avLst/>
+          </a:prstGeom>
+          <a:noFill/>
         </p:spPr>
-      </p:pic>
+        <p:txBody>
+          <a:bodyPr wrap="square" rtlCol="0">
+            <a:spAutoFit/>
+          </a:bodyPr>
+          <a:lstStyle/>
+          <a:p>
+            <a:r>
+              <a:rPr lang="en-GB" sz="2200" dirty="0">
+                <a:solidFill>
+                  <a:schemeClr val="bg1"/>
+                </a:solidFill>
+              </a:rPr>
+              <a:t>2</a:t>
+            </a:r>
+            <a:r>
+              <a:rPr lang="en-GB" sz="2200" dirty="0" smtClean="0">
+                <a:solidFill>
+                  <a:schemeClr val="bg1"/>
+                </a:solidFill>
+              </a:rPr>
+              <a:t>µm</a:t>
+            </a:r>
+            <a:endParaRPr lang="en-GB" sz="2200" dirty="0">
+              <a:solidFill>
+                <a:schemeClr val="bg1"/>
+              </a:solidFill>
+            </a:endParaRPr>
+          </a:p>
+        </p:txBody>
+      </p:sp>
       <p:graphicFrame>
         <p:nvGraphicFramePr>
-          <p:cNvPr id="20" name="Table 19"/>
+          <p:cNvPr id="241" name="Table 240"/>
           <p:cNvGraphicFramePr>
             <a:graphicFrameLocks noGrp="1"/>
           </p:cNvGraphicFramePr>
           <p:nvPr>
             <p:extLst>
               <p:ext uri="{D42A27DB-BD31-4B8C-83A1-F6EECF244321}">
-                <p14:modId xmlns:p14="http://schemas.microsoft.com/office/powerpoint/2010/main" val="2983815448"/>
+                <p14:modId xmlns:p14="http://schemas.microsoft.com/office/powerpoint/2010/main" val="1656920357"/>
               </p:ext>
             </p:extLst>
           </p:nvPr>
         </p:nvGraphicFramePr>
         <p:xfrm>
-          <a:off x="72083" y="143744"/>
-          <a:ext cx="14257610" cy="6985098"/>
+          <a:off x="72081" y="143743"/>
+          <a:ext cx="16634049" cy="8515598"/>
         </p:xfrm>
         <a:graphic>
           <a:graphicData uri="http://schemas.openxmlformats.org/drawingml/2006/table">
@@ -3713,11 +5014,11 @@
                 <a:tableStyleId>{5940675A-B579-460E-94D1-54222C63F5DA}</a:tableStyleId>
               </a:tblPr>
               <a:tblGrid>
-                <a:gridCol w="648072"/>
-                <a:gridCol w="6804769"/>
-                <a:gridCol w="6804769"/>
+                <a:gridCol w="786245"/>
+                <a:gridCol w="7923902"/>
+                <a:gridCol w="7923902"/>
               </a:tblGrid>
-              <a:tr h="576063">
+              <a:tr h="833882">
                 <a:tc>
                   <a:txBody>
                     <a:bodyPr/>
@@ -3774,7 +5075,7 @@
                   <a:tcPr anchor="ctr"/>
                 </a:tc>
               </a:tr>
-              <a:tr h="3180129">
+              <a:tr h="3840858">
                 <a:tc>
                   <a:txBody>
                     <a:bodyPr/>
@@ -3811,7 +5112,7 @@
                   <a:tcPr/>
                 </a:tc>
               </a:tr>
-              <a:tr h="3180129">
+              <a:tr h="3840858">
                 <a:tc>
                   <a:txBody>
                     <a:bodyPr/>
@@ -3852,1148 +5153,6 @@
           </a:graphicData>
         </a:graphic>
       </p:graphicFrame>
-      <p:grpSp>
-        <p:nvGrpSpPr>
-          <p:cNvPr id="35" name="Group 34"/>
-          <p:cNvGrpSpPr/>
-          <p:nvPr/>
-        </p:nvGrpSpPr>
-        <p:grpSpPr>
-          <a:xfrm>
-            <a:off x="8038164" y="1196800"/>
-            <a:ext cx="2438488" cy="2409219"/>
-            <a:chOff x="7718604" y="1181034"/>
-            <a:chExt cx="2438488" cy="2409219"/>
-          </a:xfrm>
-        </p:grpSpPr>
-        <p:pic>
-          <p:nvPicPr>
-            <p:cNvPr id="21" name="Picture 2" descr="C:\Users\Wendy\Documents\wwn20\Data\Exfoliation\Images\2013\10 - October\131015-Intercalated_C12PI\3\3-x20-17.jpg"/>
-            <p:cNvPicPr>
-              <a:picLocks noChangeAspect="1" noChangeArrowheads="1"/>
-            </p:cNvPicPr>
-            <p:nvPr/>
-          </p:nvPicPr>
-          <p:blipFill rotWithShape="1">
-            <a:blip r:embed="rId7">
-              <a:extLst>
-                <a:ext uri="{BEBA8EAE-BF5A-486C-A8C5-ECC9F3942E4B}">
-                  <a14:imgProps xmlns:a14="http://schemas.microsoft.com/office/drawing/2010/main">
-                    <a14:imgLayer r:embed="rId8">
-                      <a14:imgEffect>
-                        <a14:brightnessContrast bright="20000" contrast="-20000"/>
-                      </a14:imgEffect>
-                    </a14:imgLayer>
-                  </a14:imgProps>
-                </a:ext>
-                <a:ext uri="{28A0092B-C50C-407E-A947-70E740481C1C}">
-                  <a14:useLocalDpi xmlns:a14="http://schemas.microsoft.com/office/drawing/2010/main" val="0"/>
-                </a:ext>
-              </a:extLst>
-            </a:blip>
-            <a:srcRect l="36174" t="34612" r="32592" b="23233"/>
-            <a:stretch/>
-          </p:blipFill>
-          <p:spPr bwMode="auto">
-            <a:xfrm>
-              <a:off x="7776964" y="1181034"/>
-              <a:ext cx="2380128" cy="2409219"/>
-            </a:xfrm>
-            <a:prstGeom prst="rect">
-              <a:avLst/>
-            </a:prstGeom>
-            <a:noFill/>
-            <a:extLst>
-              <a:ext uri="{909E8E84-426E-40DD-AFC4-6F175D3DCCD1}">
-                <a14:hiddenFill xmlns:a14="http://schemas.microsoft.com/office/drawing/2010/main">
-                  <a:solidFill>
-                    <a:srgbClr val="FFFFFF"/>
-                  </a:solidFill>
-                </a14:hiddenFill>
-              </a:ext>
-            </a:extLst>
-          </p:spPr>
-        </p:pic>
-        <p:cxnSp>
-          <p:nvCxnSpPr>
-            <p:cNvPr id="29" name="Straight Connector 28"/>
-            <p:cNvCxnSpPr/>
-            <p:nvPr/>
-          </p:nvCxnSpPr>
-          <p:spPr>
-            <a:xfrm>
-              <a:off x="7920980" y="3440583"/>
-              <a:ext cx="360040" cy="0"/>
-            </a:xfrm>
-            <a:prstGeom prst="line">
-              <a:avLst/>
-            </a:prstGeom>
-            <a:ln w="57150">
-              <a:solidFill>
-                <a:schemeClr val="bg1"/>
-              </a:solidFill>
-            </a:ln>
-          </p:spPr>
-          <p:style>
-            <a:lnRef idx="1">
-              <a:schemeClr val="accent1"/>
-            </a:lnRef>
-            <a:fillRef idx="0">
-              <a:schemeClr val="accent1"/>
-            </a:fillRef>
-            <a:effectRef idx="0">
-              <a:schemeClr val="accent1"/>
-            </a:effectRef>
-            <a:fontRef idx="minor">
-              <a:schemeClr val="tx1"/>
-            </a:fontRef>
-          </p:style>
-        </p:cxnSp>
-        <p:sp>
-          <p:nvSpPr>
-            <p:cNvPr id="31" name="TextBox 30"/>
-            <p:cNvSpPr txBox="1"/>
-            <p:nvPr/>
-          </p:nvSpPr>
-          <p:spPr>
-            <a:xfrm>
-              <a:off x="7718604" y="3025547"/>
-              <a:ext cx="1008112" cy="430887"/>
-            </a:xfrm>
-            <a:prstGeom prst="rect">
-              <a:avLst/>
-            </a:prstGeom>
-            <a:noFill/>
-          </p:spPr>
-          <p:txBody>
-            <a:bodyPr wrap="square" rtlCol="0">
-              <a:spAutoFit/>
-            </a:bodyPr>
-            <a:lstStyle/>
-            <a:p>
-              <a:r>
-                <a:rPr lang="en-GB" sz="2200" dirty="0" smtClean="0">
-                  <a:solidFill>
-                    <a:schemeClr val="bg1"/>
-                  </a:solidFill>
-                </a:rPr>
-                <a:t>10µm</a:t>
-              </a:r>
-              <a:endParaRPr lang="en-GB" sz="2200" dirty="0">
-                <a:solidFill>
-                  <a:schemeClr val="bg1"/>
-                </a:solidFill>
-              </a:endParaRPr>
-            </a:p>
-          </p:txBody>
-        </p:sp>
-      </p:grpSp>
-      <p:grpSp>
-        <p:nvGrpSpPr>
-          <p:cNvPr id="34" name="Group 33"/>
-          <p:cNvGrpSpPr/>
-          <p:nvPr/>
-        </p:nvGrpSpPr>
-        <p:grpSpPr>
-          <a:xfrm>
-            <a:off x="1269388" y="1196800"/>
-            <a:ext cx="2380128" cy="2409218"/>
-            <a:chOff x="1080196" y="1181034"/>
-            <a:chExt cx="2380128" cy="2409218"/>
-          </a:xfrm>
-        </p:grpSpPr>
-        <p:pic>
-          <p:nvPicPr>
-            <p:cNvPr id="23" name="Picture 3" descr="C:\Users\Wendy\Documents\wwn20\Data\Exfoliation\Images\2013\11 - November\131113-CHPI\Pre-exfoliation\x20-20.jpg"/>
-            <p:cNvPicPr>
-              <a:picLocks noChangeAspect="1" noChangeArrowheads="1"/>
-            </p:cNvPicPr>
-            <p:nvPr/>
-          </p:nvPicPr>
-          <p:blipFill rotWithShape="1">
-            <a:blip r:embed="rId9">
-              <a:extLst>
-                <a:ext uri="{BEBA8EAE-BF5A-486C-A8C5-ECC9F3942E4B}">
-                  <a14:imgProps xmlns:a14="http://schemas.microsoft.com/office/drawing/2010/main">
-                    <a14:imgLayer r:embed="rId10">
-                      <a14:imgEffect>
-                        <a14:brightnessContrast bright="18000" contrast="50000"/>
-                      </a14:imgEffect>
-                    </a14:imgLayer>
-                  </a14:imgProps>
-                </a:ext>
-                <a:ext uri="{28A0092B-C50C-407E-A947-70E740481C1C}">
-                  <a14:useLocalDpi xmlns:a14="http://schemas.microsoft.com/office/drawing/2010/main" val="0"/>
-                </a:ext>
-              </a:extLst>
-            </a:blip>
-            <a:srcRect l="32236" t="22731" r="36528" b="35113"/>
-            <a:stretch/>
-          </p:blipFill>
-          <p:spPr bwMode="auto">
-            <a:xfrm>
-              <a:off x="1080196" y="1181034"/>
-              <a:ext cx="2380128" cy="2409218"/>
-            </a:xfrm>
-            <a:prstGeom prst="rect">
-              <a:avLst/>
-            </a:prstGeom>
-            <a:noFill/>
-            <a:extLst>
-              <a:ext uri="{909E8E84-426E-40DD-AFC4-6F175D3DCCD1}">
-                <a14:hiddenFill xmlns:a14="http://schemas.microsoft.com/office/drawing/2010/main">
-                  <a:solidFill>
-                    <a:srgbClr val="FFFFFF"/>
-                  </a:solidFill>
-                </a14:hiddenFill>
-              </a:ext>
-            </a:extLst>
-          </p:spPr>
-        </p:pic>
-        <p:cxnSp>
-          <p:nvCxnSpPr>
-            <p:cNvPr id="32" name="Straight Connector 31"/>
-            <p:cNvCxnSpPr/>
-            <p:nvPr/>
-          </p:nvCxnSpPr>
-          <p:spPr>
-            <a:xfrm>
-              <a:off x="1199198" y="3456434"/>
-              <a:ext cx="360040" cy="0"/>
-            </a:xfrm>
-            <a:prstGeom prst="line">
-              <a:avLst/>
-            </a:prstGeom>
-            <a:ln w="57150">
-              <a:solidFill>
-                <a:schemeClr val="bg1"/>
-              </a:solidFill>
-            </a:ln>
-          </p:spPr>
-          <p:style>
-            <a:lnRef idx="1">
-              <a:schemeClr val="accent1"/>
-            </a:lnRef>
-            <a:fillRef idx="0">
-              <a:schemeClr val="accent1"/>
-            </a:fillRef>
-            <a:effectRef idx="0">
-              <a:schemeClr val="accent1"/>
-            </a:effectRef>
-            <a:fontRef idx="minor">
-              <a:schemeClr val="tx1"/>
-            </a:fontRef>
-          </p:style>
-        </p:cxnSp>
-      </p:grpSp>
-      <p:grpSp>
-        <p:nvGrpSpPr>
-          <p:cNvPr id="48" name="Group 47"/>
-          <p:cNvGrpSpPr/>
-          <p:nvPr/>
-        </p:nvGrpSpPr>
-        <p:grpSpPr>
-          <a:xfrm>
-            <a:off x="8055580" y="4371691"/>
-            <a:ext cx="2421073" cy="2409219"/>
-            <a:chOff x="7736020" y="4355925"/>
-            <a:chExt cx="2421073" cy="2409219"/>
-          </a:xfrm>
-        </p:grpSpPr>
-        <p:pic>
-          <p:nvPicPr>
-            <p:cNvPr id="22" name="Picture 21" descr="C:\Users\Wendy\Documents\wwn20\Data\Exfoliation\Images\2013\10 - October\131028-C12PI\2nd Exfoliation\5\5-8\5-8-x100-bf.jpg"/>
-            <p:cNvPicPr>
-              <a:picLocks noChangeAspect="1" noChangeArrowheads="1"/>
-            </p:cNvPicPr>
-            <p:nvPr/>
-          </p:nvPicPr>
-          <p:blipFill rotWithShape="1">
-            <a:blip r:embed="rId11">
-              <a:extLst>
-                <a:ext uri="{BEBA8EAE-BF5A-486C-A8C5-ECC9F3942E4B}">
-                  <a14:imgProps xmlns:a14="http://schemas.microsoft.com/office/drawing/2010/main">
-                    <a14:imgLayer r:embed="rId12">
-                      <a14:imgEffect>
-                        <a14:brightnessContrast contrast="30000"/>
-                      </a14:imgEffect>
-                    </a14:imgLayer>
-                  </a14:imgProps>
-                </a:ext>
-                <a:ext uri="{28A0092B-C50C-407E-A947-70E740481C1C}">
-                  <a14:useLocalDpi xmlns:a14="http://schemas.microsoft.com/office/drawing/2010/main" val="0"/>
-                </a:ext>
-              </a:extLst>
-            </a:blip>
-            <a:srcRect l="37536" t="30687" r="31229" b="27156"/>
-            <a:stretch/>
-          </p:blipFill>
-          <p:spPr bwMode="auto">
-            <a:xfrm>
-              <a:off x="7776964" y="4355925"/>
-              <a:ext cx="2380129" cy="2409219"/>
-            </a:xfrm>
-            <a:prstGeom prst="rect">
-              <a:avLst/>
-            </a:prstGeom>
-            <a:noFill/>
-            <a:extLst>
-              <a:ext uri="{909E8E84-426E-40DD-AFC4-6F175D3DCCD1}">
-                <a14:hiddenFill xmlns:a14="http://schemas.microsoft.com/office/drawing/2010/main">
-                  <a:solidFill>
-                    <a:srgbClr val="FFFFFF"/>
-                  </a:solidFill>
-                </a14:hiddenFill>
-              </a:ext>
-            </a:extLst>
-          </p:spPr>
-        </p:pic>
-        <p:sp>
-          <p:nvSpPr>
-            <p:cNvPr id="43" name="TextBox 42"/>
-            <p:cNvSpPr txBox="1"/>
-            <p:nvPr/>
-          </p:nvSpPr>
-          <p:spPr>
-            <a:xfrm>
-              <a:off x="7736020" y="6207547"/>
-              <a:ext cx="1008112" cy="430887"/>
-            </a:xfrm>
-            <a:prstGeom prst="rect">
-              <a:avLst/>
-            </a:prstGeom>
-            <a:noFill/>
-          </p:spPr>
-          <p:txBody>
-            <a:bodyPr wrap="square" rtlCol="0">
-              <a:spAutoFit/>
-            </a:bodyPr>
-            <a:lstStyle/>
-            <a:p>
-              <a:r>
-                <a:rPr lang="en-GB" sz="2200" dirty="0">
-                  <a:solidFill>
-                    <a:schemeClr val="bg1"/>
-                  </a:solidFill>
-                </a:rPr>
-                <a:t>2</a:t>
-              </a:r>
-              <a:r>
-                <a:rPr lang="en-GB" sz="2200" dirty="0" smtClean="0">
-                  <a:solidFill>
-                    <a:schemeClr val="bg1"/>
-                  </a:solidFill>
-                </a:rPr>
-                <a:t>µm</a:t>
-              </a:r>
-              <a:endParaRPr lang="en-GB" sz="2200" dirty="0">
-                <a:solidFill>
-                  <a:schemeClr val="bg1"/>
-                </a:solidFill>
-              </a:endParaRPr>
-            </a:p>
-          </p:txBody>
-        </p:sp>
-        <p:cxnSp>
-          <p:nvCxnSpPr>
-            <p:cNvPr id="41" name="Straight Connector 40"/>
-            <p:cNvCxnSpPr/>
-            <p:nvPr/>
-          </p:nvCxnSpPr>
-          <p:spPr>
-            <a:xfrm>
-              <a:off x="7885020" y="6638434"/>
-              <a:ext cx="396000" cy="0"/>
-            </a:xfrm>
-            <a:prstGeom prst="line">
-              <a:avLst/>
-            </a:prstGeom>
-            <a:ln w="57150">
-              <a:solidFill>
-                <a:schemeClr val="bg1"/>
-              </a:solidFill>
-            </a:ln>
-          </p:spPr>
-          <p:style>
-            <a:lnRef idx="1">
-              <a:schemeClr val="accent1"/>
-            </a:lnRef>
-            <a:fillRef idx="0">
-              <a:schemeClr val="accent1"/>
-            </a:fillRef>
-            <a:effectRef idx="0">
-              <a:schemeClr val="accent1"/>
-            </a:effectRef>
-            <a:fontRef idx="minor">
-              <a:schemeClr val="tx1"/>
-            </a:fontRef>
-          </p:style>
-        </p:cxnSp>
-      </p:grpSp>
-      <p:grpSp>
-        <p:nvGrpSpPr>
-          <p:cNvPr id="53" name="Group 52"/>
-          <p:cNvGrpSpPr/>
-          <p:nvPr/>
-        </p:nvGrpSpPr>
-        <p:grpSpPr>
-          <a:xfrm>
-            <a:off x="1259738" y="4408304"/>
-            <a:ext cx="2380129" cy="2420470"/>
-            <a:chOff x="1070546" y="4392538"/>
-            <a:chExt cx="2380129" cy="2420470"/>
-          </a:xfrm>
-        </p:grpSpPr>
-        <p:pic>
-          <p:nvPicPr>
-            <p:cNvPr id="25" name="Picture 4" descr="C:\Users\Wendy\Documents\wwn20\Data\Exfoliation\Images\2013\11 - November\131113-CHPI\Post-exfoliation\2\Area18\x100-bf.jpg"/>
-            <p:cNvPicPr>
-              <a:picLocks noChangeAspect="1" noChangeArrowheads="1"/>
-            </p:cNvPicPr>
-            <p:nvPr/>
-          </p:nvPicPr>
-          <p:blipFill rotWithShape="1">
-            <a:blip r:embed="rId13">
-              <a:extLst>
-                <a:ext uri="{BEBA8EAE-BF5A-486C-A8C5-ECC9F3942E4B}">
-                  <a14:imgProps xmlns:a14="http://schemas.microsoft.com/office/drawing/2010/main">
-                    <a14:imgLayer r:embed="rId14">
-                      <a14:imgEffect>
-                        <a14:brightnessContrast contrast="30000"/>
-                      </a14:imgEffect>
-                    </a14:imgLayer>
-                  </a14:imgProps>
-                </a:ext>
-                <a:ext uri="{28A0092B-C50C-407E-A947-70E740481C1C}">
-                  <a14:useLocalDpi xmlns:a14="http://schemas.microsoft.com/office/drawing/2010/main" val="0"/>
-                </a:ext>
-              </a:extLst>
-            </a:blip>
-            <a:srcRect l="40635" t="35712" r="28130" b="21935"/>
-            <a:stretch/>
-          </p:blipFill>
-          <p:spPr bwMode="auto">
-            <a:xfrm>
-              <a:off x="1070546" y="4392538"/>
-              <a:ext cx="2380129" cy="2420470"/>
-            </a:xfrm>
-            <a:prstGeom prst="rect">
-              <a:avLst/>
-            </a:prstGeom>
-            <a:noFill/>
-            <a:extLst>
-              <a:ext uri="{909E8E84-426E-40DD-AFC4-6F175D3DCCD1}">
-                <a14:hiddenFill xmlns:a14="http://schemas.microsoft.com/office/drawing/2010/main">
-                  <a:solidFill>
-                    <a:srgbClr val="FFFFFF"/>
-                  </a:solidFill>
-                </a14:hiddenFill>
-              </a:ext>
-            </a:extLst>
-          </p:spPr>
-        </p:pic>
-        <p:cxnSp>
-          <p:nvCxnSpPr>
-            <p:cNvPr id="52" name="Straight Connector 51"/>
-            <p:cNvCxnSpPr/>
-            <p:nvPr/>
-          </p:nvCxnSpPr>
-          <p:spPr>
-            <a:xfrm>
-              <a:off x="1163238" y="6696794"/>
-              <a:ext cx="396000" cy="0"/>
-            </a:xfrm>
-            <a:prstGeom prst="line">
-              <a:avLst/>
-            </a:prstGeom>
-            <a:ln w="57150">
-              <a:solidFill>
-                <a:schemeClr val="bg1"/>
-              </a:solidFill>
-            </a:ln>
-          </p:spPr>
-          <p:style>
-            <a:lnRef idx="1">
-              <a:schemeClr val="accent1"/>
-            </a:lnRef>
-            <a:fillRef idx="0">
-              <a:schemeClr val="accent1"/>
-            </a:fillRef>
-            <a:effectRef idx="0">
-              <a:schemeClr val="accent1"/>
-            </a:effectRef>
-            <a:fontRef idx="minor">
-              <a:schemeClr val="tx1"/>
-            </a:fontRef>
-          </p:style>
-        </p:cxnSp>
-      </p:grpSp>
-      <p:grpSp>
-        <p:nvGrpSpPr>
-          <p:cNvPr id="59" name="Group 58"/>
-          <p:cNvGrpSpPr/>
-          <p:nvPr/>
-        </p:nvGrpSpPr>
-        <p:grpSpPr>
-          <a:xfrm flipV="1">
-            <a:off x="2572997" y="2787076"/>
-            <a:ext cx="1465482" cy="254236"/>
-            <a:chOff x="2383805" y="2518992"/>
-            <a:chExt cx="1465482" cy="252320"/>
-          </a:xfrm>
-        </p:grpSpPr>
-        <p:cxnSp>
-          <p:nvCxnSpPr>
-            <p:cNvPr id="55" name="Straight Arrow Connector 54"/>
-            <p:cNvCxnSpPr>
-              <a:stCxn id="56" idx="6"/>
-            </p:cNvCxnSpPr>
-            <p:nvPr/>
-          </p:nvCxnSpPr>
-          <p:spPr>
-            <a:xfrm flipV="1">
-              <a:off x="2473805" y="2518992"/>
-              <a:ext cx="1375482" cy="207320"/>
-            </a:xfrm>
-            <a:prstGeom prst="straightConnector1">
-              <a:avLst/>
-            </a:prstGeom>
-            <a:ln w="22225">
-              <a:solidFill>
-                <a:schemeClr val="tx1"/>
-              </a:solidFill>
-              <a:headEnd type="none" w="med" len="med"/>
-              <a:tailEnd type="triangle" w="lg" len="lg"/>
-            </a:ln>
-          </p:spPr>
-          <p:style>
-            <a:lnRef idx="1">
-              <a:schemeClr val="accent1"/>
-            </a:lnRef>
-            <a:fillRef idx="0">
-              <a:schemeClr val="accent1"/>
-            </a:fillRef>
-            <a:effectRef idx="0">
-              <a:schemeClr val="accent1"/>
-            </a:effectRef>
-            <a:fontRef idx="minor">
-              <a:schemeClr val="tx1"/>
-            </a:fontRef>
-          </p:style>
-        </p:cxnSp>
-        <p:sp>
-          <p:nvSpPr>
-            <p:cNvPr id="56" name="Oval 55"/>
-            <p:cNvSpPr/>
-            <p:nvPr/>
-          </p:nvSpPr>
-          <p:spPr>
-            <a:xfrm>
-              <a:off x="2383805" y="2681312"/>
-              <a:ext cx="90000" cy="90000"/>
-            </a:xfrm>
-            <a:prstGeom prst="ellipse">
-              <a:avLst/>
-            </a:prstGeom>
-            <a:solidFill>
-              <a:schemeClr val="tx1"/>
-            </a:solidFill>
-            <a:ln>
-              <a:noFill/>
-            </a:ln>
-          </p:spPr>
-          <p:style>
-            <a:lnRef idx="2">
-              <a:schemeClr val="accent1">
-                <a:shade val="50000"/>
-              </a:schemeClr>
-            </a:lnRef>
-            <a:fillRef idx="1">
-              <a:schemeClr val="accent1"/>
-            </a:fillRef>
-            <a:effectRef idx="0">
-              <a:schemeClr val="accent1"/>
-            </a:effectRef>
-            <a:fontRef idx="minor">
-              <a:schemeClr val="lt1"/>
-            </a:fontRef>
-          </p:style>
-          <p:txBody>
-            <a:bodyPr rtlCol="0" anchor="ctr"/>
-            <a:lstStyle/>
-            <a:p>
-              <a:pPr algn="ctr"/>
-              <a:endParaRPr lang="en-GB"/>
-            </a:p>
-          </p:txBody>
-        </p:sp>
-      </p:grpSp>
-      <p:grpSp>
-        <p:nvGrpSpPr>
-          <p:cNvPr id="70" name="Group 69"/>
-          <p:cNvGrpSpPr/>
-          <p:nvPr/>
-        </p:nvGrpSpPr>
-        <p:grpSpPr>
-          <a:xfrm>
-            <a:off x="9105896" y="2036696"/>
-            <a:ext cx="1768702" cy="919219"/>
-            <a:chOff x="2383805" y="2681312"/>
-            <a:chExt cx="1768702" cy="919219"/>
-          </a:xfrm>
-        </p:grpSpPr>
-        <p:cxnSp>
-          <p:nvCxnSpPr>
-            <p:cNvPr id="71" name="Straight Arrow Connector 70"/>
-            <p:cNvCxnSpPr/>
-            <p:nvPr/>
-          </p:nvCxnSpPr>
-          <p:spPr>
-            <a:xfrm>
-              <a:off x="2473805" y="2745362"/>
-              <a:ext cx="1678702" cy="855169"/>
-            </a:xfrm>
-            <a:prstGeom prst="straightConnector1">
-              <a:avLst/>
-            </a:prstGeom>
-            <a:ln w="22225">
-              <a:solidFill>
-                <a:schemeClr val="tx1"/>
-              </a:solidFill>
-              <a:headEnd type="none" w="med" len="med"/>
-              <a:tailEnd type="triangle" w="lg" len="lg"/>
-            </a:ln>
-          </p:spPr>
-          <p:style>
-            <a:lnRef idx="1">
-              <a:schemeClr val="accent1"/>
-            </a:lnRef>
-            <a:fillRef idx="0">
-              <a:schemeClr val="accent1"/>
-            </a:fillRef>
-            <a:effectRef idx="0">
-              <a:schemeClr val="accent1"/>
-            </a:effectRef>
-            <a:fontRef idx="minor">
-              <a:schemeClr val="tx1"/>
-            </a:fontRef>
-          </p:style>
-        </p:cxnSp>
-        <p:sp>
-          <p:nvSpPr>
-            <p:cNvPr id="72" name="Oval 71"/>
-            <p:cNvSpPr/>
-            <p:nvPr/>
-          </p:nvSpPr>
-          <p:spPr>
-            <a:xfrm>
-              <a:off x="2383805" y="2681312"/>
-              <a:ext cx="90000" cy="90000"/>
-            </a:xfrm>
-            <a:prstGeom prst="ellipse">
-              <a:avLst/>
-            </a:prstGeom>
-            <a:solidFill>
-              <a:schemeClr val="tx1"/>
-            </a:solidFill>
-            <a:ln>
-              <a:noFill/>
-            </a:ln>
-          </p:spPr>
-          <p:style>
-            <a:lnRef idx="2">
-              <a:schemeClr val="accent1">
-                <a:shade val="50000"/>
-              </a:schemeClr>
-            </a:lnRef>
-            <a:fillRef idx="1">
-              <a:schemeClr val="accent1"/>
-            </a:fillRef>
-            <a:effectRef idx="0">
-              <a:schemeClr val="accent1"/>
-            </a:effectRef>
-            <a:fontRef idx="minor">
-              <a:schemeClr val="lt1"/>
-            </a:fontRef>
-          </p:style>
-          <p:txBody>
-            <a:bodyPr rtlCol="0" anchor="ctr"/>
-            <a:lstStyle/>
-            <a:p>
-              <a:pPr algn="ctr"/>
-              <a:endParaRPr lang="en-GB"/>
-            </a:p>
-          </p:txBody>
-        </p:sp>
-      </p:grpSp>
-      <p:grpSp>
-        <p:nvGrpSpPr>
-          <p:cNvPr id="74" name="Group 73"/>
-          <p:cNvGrpSpPr/>
-          <p:nvPr/>
-        </p:nvGrpSpPr>
-        <p:grpSpPr>
-          <a:xfrm>
-            <a:off x="2158528" y="5889836"/>
-            <a:ext cx="1879951" cy="352527"/>
-            <a:chOff x="2383805" y="2681312"/>
-            <a:chExt cx="1879951" cy="352527"/>
-          </a:xfrm>
-        </p:grpSpPr>
-        <p:cxnSp>
-          <p:nvCxnSpPr>
-            <p:cNvPr id="75" name="Straight Arrow Connector 74"/>
-            <p:cNvCxnSpPr/>
-            <p:nvPr/>
-          </p:nvCxnSpPr>
-          <p:spPr>
-            <a:xfrm>
-              <a:off x="2460625" y="2713542"/>
-              <a:ext cx="1803131" cy="320297"/>
-            </a:xfrm>
-            <a:prstGeom prst="straightConnector1">
-              <a:avLst/>
-            </a:prstGeom>
-            <a:ln w="22225">
-              <a:solidFill>
-                <a:schemeClr val="tx1"/>
-              </a:solidFill>
-              <a:headEnd type="none" w="med" len="med"/>
-              <a:tailEnd type="triangle" w="lg" len="lg"/>
-            </a:ln>
-          </p:spPr>
-          <p:style>
-            <a:lnRef idx="1">
-              <a:schemeClr val="accent1"/>
-            </a:lnRef>
-            <a:fillRef idx="0">
-              <a:schemeClr val="accent1"/>
-            </a:fillRef>
-            <a:effectRef idx="0">
-              <a:schemeClr val="accent1"/>
-            </a:effectRef>
-            <a:fontRef idx="minor">
-              <a:schemeClr val="tx1"/>
-            </a:fontRef>
-          </p:style>
-        </p:cxnSp>
-        <p:sp>
-          <p:nvSpPr>
-            <p:cNvPr id="76" name="Oval 75"/>
-            <p:cNvSpPr/>
-            <p:nvPr/>
-          </p:nvSpPr>
-          <p:spPr>
-            <a:xfrm>
-              <a:off x="2383805" y="2681312"/>
-              <a:ext cx="90000" cy="90000"/>
-            </a:xfrm>
-            <a:prstGeom prst="ellipse">
-              <a:avLst/>
-            </a:prstGeom>
-            <a:solidFill>
-              <a:schemeClr val="tx1"/>
-            </a:solidFill>
-            <a:ln>
-              <a:noFill/>
-            </a:ln>
-          </p:spPr>
-          <p:style>
-            <a:lnRef idx="2">
-              <a:schemeClr val="accent1">
-                <a:shade val="50000"/>
-              </a:schemeClr>
-            </a:lnRef>
-            <a:fillRef idx="1">
-              <a:schemeClr val="accent1"/>
-            </a:fillRef>
-            <a:effectRef idx="0">
-              <a:schemeClr val="accent1"/>
-            </a:effectRef>
-            <a:fontRef idx="minor">
-              <a:schemeClr val="lt1"/>
-            </a:fontRef>
-          </p:style>
-          <p:txBody>
-            <a:bodyPr rtlCol="0" anchor="ctr"/>
-            <a:lstStyle/>
-            <a:p>
-              <a:pPr algn="ctr"/>
-              <a:endParaRPr lang="en-GB"/>
-            </a:p>
-          </p:txBody>
-        </p:sp>
-      </p:grpSp>
-      <p:grpSp>
-        <p:nvGrpSpPr>
-          <p:cNvPr id="78" name="Group 77"/>
-          <p:cNvGrpSpPr/>
-          <p:nvPr/>
-        </p:nvGrpSpPr>
-        <p:grpSpPr>
-          <a:xfrm>
-            <a:off x="9951316" y="4975376"/>
-            <a:ext cx="1066008" cy="1004460"/>
-            <a:chOff x="2383805" y="2681312"/>
-            <a:chExt cx="1066008" cy="1004460"/>
-          </a:xfrm>
-        </p:grpSpPr>
-        <p:cxnSp>
-          <p:nvCxnSpPr>
-            <p:cNvPr id="79" name="Straight Arrow Connector 78"/>
-            <p:cNvCxnSpPr/>
-            <p:nvPr/>
-          </p:nvCxnSpPr>
-          <p:spPr>
-            <a:xfrm>
-              <a:off x="2435705" y="2707262"/>
-              <a:ext cx="1014108" cy="978510"/>
-            </a:xfrm>
-            <a:prstGeom prst="straightConnector1">
-              <a:avLst/>
-            </a:prstGeom>
-            <a:ln w="22225">
-              <a:solidFill>
-                <a:schemeClr val="tx1"/>
-              </a:solidFill>
-              <a:headEnd type="none" w="med" len="med"/>
-              <a:tailEnd type="triangle" w="lg" len="lg"/>
-            </a:ln>
-          </p:spPr>
-          <p:style>
-            <a:lnRef idx="1">
-              <a:schemeClr val="accent1"/>
-            </a:lnRef>
-            <a:fillRef idx="0">
-              <a:schemeClr val="accent1"/>
-            </a:fillRef>
-            <a:effectRef idx="0">
-              <a:schemeClr val="accent1"/>
-            </a:effectRef>
-            <a:fontRef idx="minor">
-              <a:schemeClr val="tx1"/>
-            </a:fontRef>
-          </p:style>
-        </p:cxnSp>
-        <p:sp>
-          <p:nvSpPr>
-            <p:cNvPr id="80" name="Oval 79"/>
-            <p:cNvSpPr/>
-            <p:nvPr/>
-          </p:nvSpPr>
-          <p:spPr>
-            <a:xfrm>
-              <a:off x="2383805" y="2681312"/>
-              <a:ext cx="90000" cy="90000"/>
-            </a:xfrm>
-            <a:prstGeom prst="ellipse">
-              <a:avLst/>
-            </a:prstGeom>
-            <a:solidFill>
-              <a:schemeClr val="tx1"/>
-            </a:solidFill>
-            <a:ln>
-              <a:noFill/>
-            </a:ln>
-          </p:spPr>
-          <p:style>
-            <a:lnRef idx="2">
-              <a:schemeClr val="accent1">
-                <a:shade val="50000"/>
-              </a:schemeClr>
-            </a:lnRef>
-            <a:fillRef idx="1">
-              <a:schemeClr val="accent1"/>
-            </a:fillRef>
-            <a:effectRef idx="0">
-              <a:schemeClr val="accent1"/>
-            </a:effectRef>
-            <a:fontRef idx="minor">
-              <a:schemeClr val="lt1"/>
-            </a:fontRef>
-          </p:style>
-          <p:txBody>
-            <a:bodyPr rtlCol="0" anchor="ctr"/>
-            <a:lstStyle/>
-            <a:p>
-              <a:pPr algn="ctr"/>
-              <a:endParaRPr lang="en-GB"/>
-            </a:p>
-          </p:txBody>
-        </p:sp>
-      </p:grpSp>
-      <p:cxnSp>
-        <p:nvCxnSpPr>
-          <p:cNvPr id="2048" name="Straight Connector 2047"/>
-          <p:cNvCxnSpPr/>
-          <p:nvPr/>
-        </p:nvCxnSpPr>
-        <p:spPr>
-          <a:xfrm>
-            <a:off x="5234600" y="1068554"/>
-            <a:ext cx="0" cy="2160000"/>
-          </a:xfrm>
-          <a:prstGeom prst="line">
-            <a:avLst/>
-          </a:prstGeom>
-          <a:ln w="25400">
-            <a:solidFill>
-              <a:schemeClr val="bg1">
-                <a:lumMod val="50000"/>
-              </a:schemeClr>
-            </a:solidFill>
-            <a:prstDash val="sysDash"/>
-          </a:ln>
-        </p:spPr>
-        <p:style>
-          <a:lnRef idx="1">
-            <a:schemeClr val="accent1"/>
-          </a:lnRef>
-          <a:fillRef idx="0">
-            <a:schemeClr val="accent1"/>
-          </a:fillRef>
-          <a:effectRef idx="0">
-            <a:schemeClr val="accent1"/>
-          </a:effectRef>
-          <a:fontRef idx="minor">
-            <a:schemeClr val="tx1"/>
-          </a:fontRef>
-        </p:style>
-      </p:cxnSp>
-      <p:cxnSp>
-        <p:nvCxnSpPr>
-          <p:cNvPr id="85" name="Straight Connector 84"/>
-          <p:cNvCxnSpPr/>
-          <p:nvPr/>
-        </p:nvCxnSpPr>
-        <p:spPr>
-          <a:xfrm>
-            <a:off x="5105724" y="4263008"/>
-            <a:ext cx="0" cy="2160000"/>
-          </a:xfrm>
-          <a:prstGeom prst="line">
-            <a:avLst/>
-          </a:prstGeom>
-          <a:ln w="25400">
-            <a:solidFill>
-              <a:schemeClr val="bg1">
-                <a:lumMod val="50000"/>
-              </a:schemeClr>
-            </a:solidFill>
-            <a:prstDash val="sysDash"/>
-          </a:ln>
-        </p:spPr>
-        <p:style>
-          <a:lnRef idx="1">
-            <a:schemeClr val="accent1"/>
-          </a:lnRef>
-          <a:fillRef idx="0">
-            <a:schemeClr val="accent1"/>
-          </a:fillRef>
-          <a:effectRef idx="0">
-            <a:schemeClr val="accent1"/>
-          </a:effectRef>
-          <a:fontRef idx="minor">
-            <a:schemeClr val="tx1"/>
-          </a:fontRef>
-        </p:style>
-      </p:cxnSp>
-      <p:cxnSp>
-        <p:nvCxnSpPr>
-          <p:cNvPr id="86" name="Straight Connector 85"/>
-          <p:cNvCxnSpPr/>
-          <p:nvPr/>
-        </p:nvCxnSpPr>
-        <p:spPr>
-          <a:xfrm>
-            <a:off x="11775885" y="1056928"/>
-            <a:ext cx="0" cy="2160000"/>
-          </a:xfrm>
-          <a:prstGeom prst="line">
-            <a:avLst/>
-          </a:prstGeom>
-          <a:ln w="25400">
-            <a:solidFill>
-              <a:schemeClr val="bg1">
-                <a:lumMod val="50000"/>
-              </a:schemeClr>
-            </a:solidFill>
-            <a:prstDash val="sysDash"/>
-          </a:ln>
-        </p:spPr>
-        <p:style>
-          <a:lnRef idx="1">
-            <a:schemeClr val="accent1"/>
-          </a:lnRef>
-          <a:fillRef idx="0">
-            <a:schemeClr val="accent1"/>
-          </a:fillRef>
-          <a:effectRef idx="0">
-            <a:schemeClr val="accent1"/>
-          </a:effectRef>
-          <a:fontRef idx="minor">
-            <a:schemeClr val="tx1"/>
-          </a:fontRef>
-        </p:style>
-      </p:cxnSp>
-      <p:cxnSp>
-        <p:nvCxnSpPr>
-          <p:cNvPr id="87" name="Straight Connector 86"/>
-          <p:cNvCxnSpPr/>
-          <p:nvPr/>
-        </p:nvCxnSpPr>
-        <p:spPr>
-          <a:xfrm>
-            <a:off x="11949460" y="4274410"/>
-            <a:ext cx="0" cy="2160000"/>
-          </a:xfrm>
-          <a:prstGeom prst="line">
-            <a:avLst/>
-          </a:prstGeom>
-          <a:ln w="25400">
-            <a:solidFill>
-              <a:schemeClr val="bg1">
-                <a:lumMod val="50000"/>
-              </a:schemeClr>
-            </a:solidFill>
-            <a:prstDash val="sysDash"/>
-          </a:ln>
-        </p:spPr>
-        <p:style>
-          <a:lnRef idx="1">
-            <a:schemeClr val="accent1"/>
-          </a:lnRef>
-          <a:fillRef idx="0">
-            <a:schemeClr val="accent1"/>
-          </a:fillRef>
-          <a:effectRef idx="0">
-            <a:schemeClr val="accent1"/>
-          </a:effectRef>
-          <a:fontRef idx="minor">
-            <a:schemeClr val="tx1"/>
-          </a:fontRef>
-        </p:style>
-      </p:cxnSp>
-      <p:sp>
-        <p:nvSpPr>
-          <p:cNvPr id="2060" name="TextBox 2059"/>
-          <p:cNvSpPr txBox="1"/>
-          <p:nvPr/>
-        </p:nvSpPr>
-        <p:spPr>
-          <a:xfrm>
-            <a:off x="659038" y="690382"/>
-            <a:ext cx="720180" cy="630942"/>
-          </a:xfrm>
-          <a:prstGeom prst="rect">
-            <a:avLst/>
-          </a:prstGeom>
-          <a:noFill/>
-        </p:spPr>
-        <p:txBody>
-          <a:bodyPr wrap="square" rtlCol="0">
-            <a:spAutoFit/>
-          </a:bodyPr>
-          <a:lstStyle/>
-          <a:p>
-            <a:r>
-              <a:rPr lang="en-GB" sz="3500" dirty="0" smtClean="0"/>
-              <a:t>(a)</a:t>
-            </a:r>
-            <a:endParaRPr lang="en-GB" sz="3500" dirty="0"/>
-          </a:p>
-        </p:txBody>
-      </p:sp>
-      <p:sp>
-        <p:nvSpPr>
-          <p:cNvPr id="89" name="TextBox 88"/>
-          <p:cNvSpPr txBox="1"/>
-          <p:nvPr/>
-        </p:nvSpPr>
-        <p:spPr>
-          <a:xfrm>
-            <a:off x="7473066" y="688598"/>
-            <a:ext cx="720180" cy="630942"/>
-          </a:xfrm>
-          <a:prstGeom prst="rect">
-            <a:avLst/>
-          </a:prstGeom>
-          <a:noFill/>
-        </p:spPr>
-        <p:txBody>
-          <a:bodyPr wrap="square" rtlCol="0">
-            <a:spAutoFit/>
-          </a:bodyPr>
-          <a:lstStyle/>
-          <a:p>
-            <a:r>
-              <a:rPr lang="en-GB" sz="3500" dirty="0" smtClean="0"/>
-              <a:t>(b)</a:t>
-            </a:r>
-            <a:endParaRPr lang="en-GB" sz="3500" dirty="0"/>
-          </a:p>
-        </p:txBody>
-      </p:sp>
-      <p:sp>
-        <p:nvSpPr>
-          <p:cNvPr id="90" name="TextBox 89"/>
-          <p:cNvSpPr txBox="1"/>
-          <p:nvPr/>
-        </p:nvSpPr>
-        <p:spPr>
-          <a:xfrm>
-            <a:off x="659038" y="3869712"/>
-            <a:ext cx="720180" cy="630942"/>
-          </a:xfrm>
-          <a:prstGeom prst="rect">
-            <a:avLst/>
-          </a:prstGeom>
-          <a:noFill/>
-        </p:spPr>
-        <p:txBody>
-          <a:bodyPr wrap="square" rtlCol="0">
-            <a:spAutoFit/>
-          </a:bodyPr>
-          <a:lstStyle/>
-          <a:p>
-            <a:r>
-              <a:rPr lang="en-GB" sz="3500" dirty="0" smtClean="0"/>
-              <a:t>(c)</a:t>
-            </a:r>
-            <a:endParaRPr lang="en-GB" sz="3500" dirty="0"/>
-          </a:p>
-        </p:txBody>
-      </p:sp>
-      <p:sp>
-        <p:nvSpPr>
-          <p:cNvPr id="91" name="TextBox 90"/>
-          <p:cNvSpPr txBox="1"/>
-          <p:nvPr/>
-        </p:nvSpPr>
-        <p:spPr>
-          <a:xfrm>
-            <a:off x="7473066" y="3856950"/>
-            <a:ext cx="720180" cy="630942"/>
-          </a:xfrm>
-          <a:prstGeom prst="rect">
-            <a:avLst/>
-          </a:prstGeom>
-          <a:noFill/>
-        </p:spPr>
-        <p:txBody>
-          <a:bodyPr wrap="square" rtlCol="0">
-            <a:spAutoFit/>
-          </a:bodyPr>
-          <a:lstStyle/>
-          <a:p>
-            <a:r>
-              <a:rPr lang="en-GB" sz="3500" dirty="0" smtClean="0"/>
-              <a:t>(d)</a:t>
-            </a:r>
-            <a:endParaRPr lang="en-GB" sz="3500" dirty="0"/>
-          </a:p>
-        </p:txBody>
-      </p:sp>
     </p:spTree>
     <p:extLst>
       <p:ext uri="{BB962C8B-B14F-4D97-AF65-F5344CB8AC3E}">
